--- a/지갑지킴이_발표자료.pptx
+++ b/지갑지킴이_발표자료.pptx
@@ -8,22 +8,24 @@
     <p:sldId id="271" r:id="rId2"/>
     <p:sldId id="272" r:id="rId3"/>
     <p:sldId id="273" r:id="rId4"/>
-    <p:sldId id="308" r:id="rId5"/>
-    <p:sldId id="292" r:id="rId6"/>
-    <p:sldId id="303" r:id="rId7"/>
-    <p:sldId id="295" r:id="rId8"/>
-    <p:sldId id="304" r:id="rId9"/>
-    <p:sldId id="279" r:id="rId10"/>
-    <p:sldId id="300" r:id="rId11"/>
-    <p:sldId id="283" r:id="rId12"/>
-    <p:sldId id="298" r:id="rId13"/>
-    <p:sldId id="287" r:id="rId14"/>
-    <p:sldId id="302" r:id="rId15"/>
-    <p:sldId id="297" r:id="rId16"/>
-    <p:sldId id="306" r:id="rId17"/>
-    <p:sldId id="294" r:id="rId18"/>
-    <p:sldId id="296" r:id="rId19"/>
-    <p:sldId id="305" r:id="rId20"/>
+    <p:sldId id="310" r:id="rId5"/>
+    <p:sldId id="308" r:id="rId6"/>
+    <p:sldId id="292" r:id="rId7"/>
+    <p:sldId id="303" r:id="rId8"/>
+    <p:sldId id="295" r:id="rId9"/>
+    <p:sldId id="304" r:id="rId10"/>
+    <p:sldId id="279" r:id="rId11"/>
+    <p:sldId id="300" r:id="rId12"/>
+    <p:sldId id="283" r:id="rId13"/>
+    <p:sldId id="298" r:id="rId14"/>
+    <p:sldId id="287" r:id="rId15"/>
+    <p:sldId id="302" r:id="rId16"/>
+    <p:sldId id="297" r:id="rId17"/>
+    <p:sldId id="306" r:id="rId18"/>
+    <p:sldId id="294" r:id="rId19"/>
+    <p:sldId id="296" r:id="rId20"/>
+    <p:sldId id="309" r:id="rId21"/>
+    <p:sldId id="305" r:id="rId22"/>
   </p:sldIdLst>
   <p:sldSz cx="12192000" cy="6858000"/>
   <p:notesSz cx="6858000" cy="9144000"/>
@@ -288,7 +290,7 @@
           <a:p>
             <a:fld id="{772F5193-41CD-4063-B0C7-05E32D5C3CCF}" type="datetimeFigureOut">
               <a:rPr lang="ko-KR" altLang="en-US" smtClean="0"/>
-              <a:t>2024-02-07</a:t>
+              <a:t>2024-02-08</a:t>
             </a:fld>
             <a:endParaRPr lang="ko-KR" altLang="en-US"/>
           </a:p>
@@ -490,7 +492,7 @@
           <a:p>
             <a:fld id="{772F5193-41CD-4063-B0C7-05E32D5C3CCF}" type="datetimeFigureOut">
               <a:rPr lang="ko-KR" altLang="en-US" smtClean="0"/>
-              <a:t>2024-02-07</a:t>
+              <a:t>2024-02-08</a:t>
             </a:fld>
             <a:endParaRPr lang="ko-KR" altLang="en-US"/>
           </a:p>
@@ -731,7 +733,7 @@
           <a:p>
             <a:fld id="{772F5193-41CD-4063-B0C7-05E32D5C3CCF}" type="datetimeFigureOut">
               <a:rPr lang="ko-KR" altLang="en-US" smtClean="0"/>
-              <a:t>2024-02-07</a:t>
+              <a:t>2024-02-08</a:t>
             </a:fld>
             <a:endParaRPr lang="ko-KR" altLang="en-US"/>
           </a:p>
@@ -1436,6 +1438,252 @@
 <file path=ppt/slides/slide10.xml><?xml version="1.0" encoding="utf-8"?>
 <p:sld xmlns:a="http://schemas.openxmlformats.org/drawingml/2006/main" xmlns:r="http://schemas.openxmlformats.org/officeDocument/2006/relationships" xmlns:p="http://schemas.openxmlformats.org/presentationml/2006/main">
   <p:cSld>
+    <p:bg>
+      <p:bgPr>
+        <a:solidFill>
+          <a:schemeClr val="accent1"/>
+        </a:solidFill>
+        <a:effectLst/>
+      </p:bgPr>
+    </p:bg>
+    <p:spTree>
+      <p:nvGrpSpPr>
+        <p:cNvPr id="1" name=""/>
+        <p:cNvGrpSpPr/>
+        <p:nvPr/>
+      </p:nvGrpSpPr>
+      <p:grpSpPr>
+        <a:xfrm>
+          <a:off x="0" y="0"/>
+          <a:ext cx="0" cy="0"/>
+          <a:chOff x="0" y="0"/>
+          <a:chExt cx="0" cy="0"/>
+        </a:xfrm>
+      </p:grpSpPr>
+      <p:grpSp>
+        <p:nvGrpSpPr>
+          <p:cNvPr id="7" name="그룹 6">
+            <a:extLst>
+              <a:ext uri="{FF2B5EF4-FFF2-40B4-BE49-F238E27FC236}">
+                <a16:creationId xmlns:a16="http://schemas.microsoft.com/office/drawing/2014/main" id="{ADC16E78-8819-8219-C770-75C3BD1E4D45}"/>
+              </a:ext>
+            </a:extLst>
+          </p:cNvPr>
+          <p:cNvGrpSpPr/>
+          <p:nvPr/>
+        </p:nvGrpSpPr>
+        <p:grpSpPr>
+          <a:xfrm>
+            <a:off x="6817895" y="872277"/>
+            <a:ext cx="5374105" cy="4483771"/>
+            <a:chOff x="6817895" y="310803"/>
+            <a:chExt cx="5374105" cy="4483771"/>
+          </a:xfrm>
+        </p:grpSpPr>
+        <p:sp>
+          <p:nvSpPr>
+            <p:cNvPr id="2" name="TextBox 1">
+              <a:extLst>
+                <a:ext uri="{FF2B5EF4-FFF2-40B4-BE49-F238E27FC236}">
+                  <a16:creationId xmlns:a16="http://schemas.microsoft.com/office/drawing/2014/main" id="{1E4D379F-0D7A-E10A-C2FD-B3F877B38412}"/>
+                </a:ext>
+              </a:extLst>
+            </p:cNvPr>
+            <p:cNvSpPr txBox="1"/>
+            <p:nvPr/>
+          </p:nvSpPr>
+          <p:spPr>
+            <a:xfrm>
+              <a:off x="6817895" y="310803"/>
+              <a:ext cx="1664238" cy="3154710"/>
+            </a:xfrm>
+            <a:prstGeom prst="rect">
+              <a:avLst/>
+            </a:prstGeom>
+            <a:noFill/>
+          </p:spPr>
+          <p:txBody>
+            <a:bodyPr wrap="none" rtlCol="0">
+              <a:spAutoFit/>
+            </a:bodyPr>
+            <a:lstStyle/>
+            <a:p>
+              <a:r>
+                <a:rPr lang="en-US" altLang="ko-KR" sz="19900" b="1" dirty="0">
+                  <a:solidFill>
+                    <a:schemeClr val="bg1"/>
+                  </a:solidFill>
+                  <a:latin typeface="+mj-ea"/>
+                  <a:ea typeface="+mj-ea"/>
+                </a:rPr>
+                <a:t>3</a:t>
+              </a:r>
+              <a:endParaRPr lang="ko-KR" altLang="en-US" sz="19900" b="1" dirty="0">
+                <a:solidFill>
+                  <a:schemeClr val="bg1"/>
+                </a:solidFill>
+                <a:latin typeface="+mj-ea"/>
+                <a:ea typeface="+mj-ea"/>
+              </a:endParaRPr>
+            </a:p>
+          </p:txBody>
+        </p:sp>
+        <p:sp>
+          <p:nvSpPr>
+            <p:cNvPr id="3" name="TextBox 2">
+              <a:extLst>
+                <a:ext uri="{FF2B5EF4-FFF2-40B4-BE49-F238E27FC236}">
+                  <a16:creationId xmlns:a16="http://schemas.microsoft.com/office/drawing/2014/main" id="{773F2969-8E1F-0403-B6B6-037C4B0D5DB2}"/>
+                </a:ext>
+              </a:extLst>
+            </p:cNvPr>
+            <p:cNvSpPr txBox="1"/>
+            <p:nvPr/>
+          </p:nvSpPr>
+          <p:spPr>
+            <a:xfrm>
+              <a:off x="6817895" y="3350782"/>
+              <a:ext cx="3124573" cy="830997"/>
+            </a:xfrm>
+            <a:prstGeom prst="rect">
+              <a:avLst/>
+            </a:prstGeom>
+            <a:noFill/>
+          </p:spPr>
+          <p:txBody>
+            <a:bodyPr wrap="none" rtlCol="0">
+              <a:spAutoFit/>
+            </a:bodyPr>
+            <a:lstStyle/>
+            <a:p>
+              <a:r>
+                <a:rPr lang="en-US" altLang="ko-KR" sz="4800" b="1" spc="-300" dirty="0" smtClean="0">
+                  <a:solidFill>
+                    <a:schemeClr val="bg1"/>
+                  </a:solidFill>
+                  <a:latin typeface="+mn-ea"/>
+                </a:rPr>
+                <a:t>Word Cloud</a:t>
+              </a:r>
+              <a:endParaRPr lang="ko-KR" altLang="en-US" sz="4800" b="1" spc="-300" dirty="0">
+                <a:solidFill>
+                  <a:schemeClr val="bg1"/>
+                </a:solidFill>
+                <a:latin typeface="+mn-ea"/>
+              </a:endParaRPr>
+            </a:p>
+          </p:txBody>
+        </p:sp>
+        <p:cxnSp>
+          <p:nvCxnSpPr>
+            <p:cNvPr id="4" name="직선 연결선 3">
+              <a:extLst>
+                <a:ext uri="{FF2B5EF4-FFF2-40B4-BE49-F238E27FC236}">
+                  <a16:creationId xmlns:a16="http://schemas.microsoft.com/office/drawing/2014/main" id="{F9894119-F233-DC33-68F5-7374CF0E569E}"/>
+                </a:ext>
+              </a:extLst>
+            </p:cNvPr>
+            <p:cNvCxnSpPr>
+              <a:cxnSpLocks/>
+            </p:cNvCxnSpPr>
+            <p:nvPr/>
+          </p:nvCxnSpPr>
+          <p:spPr>
+            <a:xfrm>
+              <a:off x="6817895" y="4545921"/>
+              <a:ext cx="5374105" cy="0"/>
+            </a:xfrm>
+            <a:prstGeom prst="line">
+              <a:avLst/>
+            </a:prstGeom>
+            <a:ln w="76200">
+              <a:solidFill>
+                <a:schemeClr val="bg1"/>
+              </a:solidFill>
+            </a:ln>
+          </p:spPr>
+          <p:style>
+            <a:lnRef idx="1">
+              <a:schemeClr val="accent1"/>
+            </a:lnRef>
+            <a:fillRef idx="0">
+              <a:schemeClr val="accent1"/>
+            </a:fillRef>
+            <a:effectRef idx="0">
+              <a:schemeClr val="accent1"/>
+            </a:effectRef>
+            <a:fontRef idx="minor">
+              <a:schemeClr val="tx1"/>
+            </a:fontRef>
+          </p:style>
+        </p:cxnSp>
+        <p:cxnSp>
+          <p:nvCxnSpPr>
+            <p:cNvPr id="6" name="직선 연결선 5">
+              <a:extLst>
+                <a:ext uri="{FF2B5EF4-FFF2-40B4-BE49-F238E27FC236}">
+                  <a16:creationId xmlns:a16="http://schemas.microsoft.com/office/drawing/2014/main" id="{01021128-BA25-D6FF-656C-87D086ADE451}"/>
+                </a:ext>
+              </a:extLst>
+            </p:cNvPr>
+            <p:cNvCxnSpPr>
+              <a:cxnSpLocks/>
+            </p:cNvCxnSpPr>
+            <p:nvPr/>
+          </p:nvCxnSpPr>
+          <p:spPr>
+            <a:xfrm>
+              <a:off x="6817895" y="4794574"/>
+              <a:ext cx="5374105" cy="0"/>
+            </a:xfrm>
+            <a:prstGeom prst="line">
+              <a:avLst/>
+            </a:prstGeom>
+            <a:ln w="3175">
+              <a:solidFill>
+                <a:schemeClr val="bg1"/>
+              </a:solidFill>
+            </a:ln>
+          </p:spPr>
+          <p:style>
+            <a:lnRef idx="1">
+              <a:schemeClr val="accent1"/>
+            </a:lnRef>
+            <a:fillRef idx="0">
+              <a:schemeClr val="accent1"/>
+            </a:fillRef>
+            <a:effectRef idx="0">
+              <a:schemeClr val="accent1"/>
+            </a:effectRef>
+            <a:fontRef idx="minor">
+              <a:schemeClr val="tx1"/>
+            </a:fontRef>
+          </p:style>
+        </p:cxnSp>
+      </p:grpSp>
+    </p:spTree>
+    <p:extLst>
+      <p:ext uri="{BB962C8B-B14F-4D97-AF65-F5344CB8AC3E}">
+        <p14:creationId xmlns:p14="http://schemas.microsoft.com/office/powerpoint/2010/main" val="484164959"/>
+      </p:ext>
+    </p:extLst>
+  </p:cSld>
+  <p:clrMapOvr>
+    <a:masterClrMapping/>
+  </p:clrMapOvr>
+  <p:timing>
+    <p:tnLst>
+      <p:par>
+        <p:cTn id="1" dur="indefinite" restart="never" nodeType="tmRoot"/>
+      </p:par>
+    </p:tnLst>
+  </p:timing>
+</p:sld>
+</file>
+
+<file path=ppt/slides/slide11.xml><?xml version="1.0" encoding="utf-8"?>
+<p:sld xmlns:a="http://schemas.openxmlformats.org/drawingml/2006/main" xmlns:r="http://schemas.openxmlformats.org/officeDocument/2006/relationships" xmlns:p="http://schemas.openxmlformats.org/presentationml/2006/main">
+  <p:cSld>
     <p:spTree>
       <p:nvGrpSpPr>
         <p:cNvPr id="1" name=""/>
@@ -1533,7 +1781,7 @@
                   <a:schemeClr val="accent1"/>
                 </a:solidFill>
               </a:rPr>
-              <a:t>2</a:t>
+              <a:t>3</a:t>
             </a:r>
             <a:endParaRPr lang="ko-KR" altLang="en-US" sz="1600" dirty="0">
               <a:solidFill>
@@ -1648,7 +1896,7 @@
         </p:blipFill>
         <p:spPr>
           <a:xfrm>
-            <a:off x="1669053" y="1371233"/>
+            <a:off x="1669053" y="1599833"/>
             <a:ext cx="9010650" cy="4467225"/>
           </a:xfrm>
           <a:prstGeom prst="rect">
@@ -1656,6 +1904,52 @@
           </a:prstGeom>
         </p:spPr>
       </p:pic>
+      <p:sp>
+        <p:nvSpPr>
+          <p:cNvPr id="7" name="TextBox 6"/>
+          <p:cNvSpPr txBox="1"/>
+          <p:nvPr/>
+        </p:nvSpPr>
+        <p:spPr>
+          <a:xfrm>
+            <a:off x="1143000" y="927100"/>
+            <a:ext cx="3111500" cy="461665"/>
+          </a:xfrm>
+          <a:prstGeom prst="rect">
+            <a:avLst/>
+          </a:prstGeom>
+          <a:noFill/>
+        </p:spPr>
+        <p:txBody>
+          <a:bodyPr wrap="square" rtlCol="0">
+            <a:spAutoFit/>
+          </a:bodyPr>
+          <a:lstStyle/>
+          <a:p>
+            <a:r>
+              <a:rPr lang="ko-KR" altLang="en-US" sz="2400" dirty="0" err="1" smtClean="0">
+                <a:latin typeface="Arial Black" panose="020B0A04020102020204" pitchFamily="34" charset="0"/>
+              </a:rPr>
+              <a:t>팰월드</a:t>
+            </a:r>
+            <a:r>
+              <a:rPr lang="en-US" altLang="ko-KR" sz="2400" dirty="0">
+                <a:latin typeface="Arial Black" panose="020B0A04020102020204" pitchFamily="34" charset="0"/>
+              </a:rPr>
+              <a:t> </a:t>
+            </a:r>
+            <a:r>
+              <a:rPr lang="en-US" altLang="ko-KR" sz="2400" dirty="0" smtClean="0">
+                <a:latin typeface="Arial Black" panose="020B0A04020102020204" pitchFamily="34" charset="0"/>
+              </a:rPr>
+              <a:t>word cloud</a:t>
+            </a:r>
+            <a:endParaRPr lang="ko-KR" altLang="en-US" sz="2400" dirty="0">
+              <a:latin typeface="Arial Black" panose="020B0A04020102020204" pitchFamily="34" charset="0"/>
+            </a:endParaRPr>
+          </a:p>
+        </p:txBody>
+      </p:sp>
     </p:spTree>
     <p:extLst>
       <p:ext uri="{BB962C8B-B14F-4D97-AF65-F5344CB8AC3E}">
@@ -1676,7 +1970,7 @@
 </p:sld>
 </file>
 
-<file path=ppt/slides/slide11.xml><?xml version="1.0" encoding="utf-8"?>
+<file path=ppt/slides/slide12.xml><?xml version="1.0" encoding="utf-8"?>
 <p:sld xmlns:a="http://schemas.openxmlformats.org/drawingml/2006/main" xmlns:r="http://schemas.openxmlformats.org/officeDocument/2006/relationships" xmlns:p="http://schemas.openxmlformats.org/presentationml/2006/main">
   <p:cSld>
     <p:bg>
@@ -1736,7 +2030,7 @@
           <p:spPr>
             <a:xfrm>
               <a:off x="6817895" y="310803"/>
-              <a:ext cx="1854995" cy="3154710"/>
+              <a:ext cx="1664238" cy="3154710"/>
             </a:xfrm>
             <a:prstGeom prst="rect">
               <a:avLst/>
@@ -1750,14 +2044,14 @@
             <a:lstStyle/>
             <a:p>
               <a:r>
-                <a:rPr lang="en-US" altLang="ko-KR" sz="19900" b="1" dirty="0">
+                <a:rPr lang="en-US" altLang="ko-KR" sz="19900" b="1" dirty="0" smtClean="0">
                   <a:solidFill>
                     <a:schemeClr val="bg1"/>
                   </a:solidFill>
                   <a:latin typeface="+mj-ea"/>
                   <a:ea typeface="+mj-ea"/>
                 </a:rPr>
-                <a:t>3</a:t>
+                <a:t>4</a:t>
               </a:r>
               <a:endParaRPr lang="ko-KR" altLang="en-US" sz="19900" b="1" dirty="0">
                 <a:solidFill>
@@ -1922,7 +2216,7 @@
 </p:sld>
 </file>
 
-<file path=ppt/slides/slide12.xml><?xml version="1.0" encoding="utf-8"?>
+<file path=ppt/slides/slide13.xml><?xml version="1.0" encoding="utf-8"?>
 <p:sld xmlns:a="http://schemas.openxmlformats.org/drawingml/2006/main" xmlns:r="http://schemas.openxmlformats.org/officeDocument/2006/relationships" xmlns:p="http://schemas.openxmlformats.org/presentationml/2006/main">
   <p:cSld>
     <p:spTree>
@@ -2014,15 +2308,7 @@
                   <a:schemeClr val="accent1"/>
                 </a:solidFill>
               </a:rPr>
-              <a:t>Part </a:t>
-            </a:r>
-            <a:r>
-              <a:rPr lang="en-US" altLang="ko-KR" sz="1600" dirty="0" smtClean="0">
-                <a:solidFill>
-                  <a:schemeClr val="accent1"/>
-                </a:solidFill>
-              </a:rPr>
-              <a:t>3</a:t>
+              <a:t>Part 4</a:t>
             </a:r>
             <a:endParaRPr lang="ko-KR" altLang="en-US" sz="1600" dirty="0">
               <a:solidFill>
@@ -2158,7 +2444,7 @@
 </p:sld>
 </file>
 
-<file path=ppt/slides/slide13.xml><?xml version="1.0" encoding="utf-8"?>
+<file path=ppt/slides/slide14.xml><?xml version="1.0" encoding="utf-8"?>
 <p:sld xmlns:a="http://schemas.openxmlformats.org/drawingml/2006/main" xmlns:r="http://schemas.openxmlformats.org/officeDocument/2006/relationships" xmlns:p="http://schemas.openxmlformats.org/presentationml/2006/main">
   <p:cSld>
     <p:bg>
@@ -2218,7 +2504,7 @@
           <p:spPr>
             <a:xfrm>
               <a:off x="6817895" y="310803"/>
-              <a:ext cx="1917513" cy="3154710"/>
+              <a:ext cx="1664238" cy="3154710"/>
             </a:xfrm>
             <a:prstGeom prst="rect">
               <a:avLst/>
@@ -2232,14 +2518,14 @@
             <a:lstStyle/>
             <a:p>
               <a:r>
-                <a:rPr lang="en-US" altLang="ko-KR" sz="19900" b="1" dirty="0">
+                <a:rPr lang="en-US" altLang="ko-KR" sz="19900" b="1" dirty="0" smtClean="0">
                   <a:solidFill>
                     <a:schemeClr val="bg1"/>
                   </a:solidFill>
                   <a:latin typeface="+mj-ea"/>
                   <a:ea typeface="+mj-ea"/>
                 </a:rPr>
-                <a:t>4</a:t>
+                <a:t>5</a:t>
               </a:r>
               <a:endParaRPr lang="ko-KR" altLang="en-US" sz="19900" b="1" dirty="0">
                 <a:solidFill>
@@ -2404,241 +2690,6 @@
 </p:sld>
 </file>
 
-<file path=ppt/slides/slide14.xml><?xml version="1.0" encoding="utf-8"?>
-<p:sld xmlns:a="http://schemas.openxmlformats.org/drawingml/2006/main" xmlns:r="http://schemas.openxmlformats.org/officeDocument/2006/relationships" xmlns:p="http://schemas.openxmlformats.org/presentationml/2006/main">
-  <p:cSld>
-    <p:spTree>
-      <p:nvGrpSpPr>
-        <p:cNvPr id="1" name=""/>
-        <p:cNvGrpSpPr/>
-        <p:nvPr/>
-      </p:nvGrpSpPr>
-      <p:grpSpPr>
-        <a:xfrm>
-          <a:off x="0" y="0"/>
-          <a:ext cx="0" cy="0"/>
-          <a:chOff x="0" y="0"/>
-          <a:chExt cx="0" cy="0"/>
-        </a:xfrm>
-      </p:grpSpPr>
-      <p:cxnSp>
-        <p:nvCxnSpPr>
-          <p:cNvPr id="3" name="직선 연결선 2">
-            <a:extLst>
-              <a:ext uri="{FF2B5EF4-FFF2-40B4-BE49-F238E27FC236}">
-                <a16:creationId xmlns:a16="http://schemas.microsoft.com/office/drawing/2014/main" id="{E3FBA607-E7FC-B7F8-2868-BC448F31F790}"/>
-              </a:ext>
-            </a:extLst>
-          </p:cNvPr>
-          <p:cNvCxnSpPr/>
-          <p:nvPr/>
-        </p:nvCxnSpPr>
-        <p:spPr>
-          <a:xfrm>
-            <a:off x="144378" y="160422"/>
-            <a:ext cx="12060000" cy="0"/>
-          </a:xfrm>
-          <a:prstGeom prst="line">
-            <a:avLst/>
-          </a:prstGeom>
-          <a:ln w="76200">
-            <a:solidFill>
-              <a:schemeClr val="accent1"/>
-            </a:solidFill>
-          </a:ln>
-        </p:spPr>
-        <p:style>
-          <a:lnRef idx="1">
-            <a:schemeClr val="accent1"/>
-          </a:lnRef>
-          <a:fillRef idx="0">
-            <a:schemeClr val="accent1"/>
-          </a:fillRef>
-          <a:effectRef idx="0">
-            <a:schemeClr val="accent1"/>
-          </a:effectRef>
-          <a:fontRef idx="minor">
-            <a:schemeClr val="tx1"/>
-          </a:fontRef>
-        </p:style>
-      </p:cxnSp>
-      <p:sp>
-        <p:nvSpPr>
-          <p:cNvPr id="4" name="TextBox 3">
-            <a:extLst>
-              <a:ext uri="{FF2B5EF4-FFF2-40B4-BE49-F238E27FC236}">
-                <a16:creationId xmlns:a16="http://schemas.microsoft.com/office/drawing/2014/main" id="{B8326A7D-F71C-ED1C-CBFD-93F557654D2A}"/>
-              </a:ext>
-            </a:extLst>
-          </p:cNvPr>
-          <p:cNvSpPr txBox="1"/>
-          <p:nvPr/>
-        </p:nvSpPr>
-        <p:spPr>
-          <a:xfrm>
-            <a:off x="144378" y="272716"/>
-            <a:ext cx="752129" cy="338554"/>
-          </a:xfrm>
-          <a:prstGeom prst="rect">
-            <a:avLst/>
-          </a:prstGeom>
-          <a:noFill/>
-        </p:spPr>
-        <p:txBody>
-          <a:bodyPr wrap="none" rtlCol="0">
-            <a:spAutoFit/>
-          </a:bodyPr>
-          <a:lstStyle/>
-          <a:p>
-            <a:r>
-              <a:rPr lang="en-US" altLang="ko-KR" sz="1600" dirty="0">
-                <a:solidFill>
-                  <a:schemeClr val="accent1"/>
-                </a:solidFill>
-              </a:rPr>
-              <a:t>Part 4</a:t>
-            </a:r>
-            <a:endParaRPr lang="ko-KR" altLang="en-US" sz="1600" dirty="0">
-              <a:solidFill>
-                <a:schemeClr val="accent1"/>
-              </a:solidFill>
-            </a:endParaRPr>
-          </a:p>
-        </p:txBody>
-      </p:sp>
-      <p:sp>
-        <p:nvSpPr>
-          <p:cNvPr id="5" name="TextBox 4">
-            <a:extLst>
-              <a:ext uri="{FF2B5EF4-FFF2-40B4-BE49-F238E27FC236}">
-                <a16:creationId xmlns:a16="http://schemas.microsoft.com/office/drawing/2014/main" id="{3251639B-29EB-6E9D-733B-6F917838F571}"/>
-              </a:ext>
-            </a:extLst>
-          </p:cNvPr>
-          <p:cNvSpPr txBox="1"/>
-          <p:nvPr/>
-        </p:nvSpPr>
-        <p:spPr>
-          <a:xfrm>
-            <a:off x="1163052" y="272716"/>
-            <a:ext cx="2108269" cy="523220"/>
-          </a:xfrm>
-          <a:prstGeom prst="rect">
-            <a:avLst/>
-          </a:prstGeom>
-          <a:noFill/>
-        </p:spPr>
-        <p:txBody>
-          <a:bodyPr wrap="none" rtlCol="0">
-            <a:spAutoFit/>
-          </a:bodyPr>
-          <a:lstStyle/>
-          <a:p>
-            <a:r>
-              <a:rPr lang="ko-KR" altLang="en-US" sz="2800" b="1" spc="-300" dirty="0" smtClean="0">
-                <a:solidFill>
-                  <a:schemeClr val="accent1"/>
-                </a:solidFill>
-                <a:latin typeface="+mj-ea"/>
-                <a:ea typeface="+mj-ea"/>
-              </a:rPr>
-              <a:t>어플리케이션</a:t>
-            </a:r>
-            <a:endParaRPr lang="ko-KR" altLang="en-US" sz="2800" b="1" spc="-300" dirty="0">
-              <a:solidFill>
-                <a:schemeClr val="accent1"/>
-              </a:solidFill>
-              <a:latin typeface="+mj-ea"/>
-              <a:ea typeface="+mj-ea"/>
-            </a:endParaRPr>
-          </a:p>
-        </p:txBody>
-      </p:sp>
-      <p:cxnSp>
-        <p:nvCxnSpPr>
-          <p:cNvPr id="6" name="직선 연결선 5">
-            <a:extLst>
-              <a:ext uri="{FF2B5EF4-FFF2-40B4-BE49-F238E27FC236}">
-                <a16:creationId xmlns:a16="http://schemas.microsoft.com/office/drawing/2014/main" id="{227D3D02-66A7-B0C0-2CF2-A0900C18861C}"/>
-              </a:ext>
-            </a:extLst>
-          </p:cNvPr>
-          <p:cNvCxnSpPr/>
-          <p:nvPr/>
-        </p:nvCxnSpPr>
-        <p:spPr>
-          <a:xfrm>
-            <a:off x="144378" y="6737685"/>
-            <a:ext cx="12060000" cy="0"/>
-          </a:xfrm>
-          <a:prstGeom prst="line">
-            <a:avLst/>
-          </a:prstGeom>
-          <a:ln w="3175">
-            <a:solidFill>
-              <a:schemeClr val="accent1"/>
-            </a:solidFill>
-          </a:ln>
-        </p:spPr>
-        <p:style>
-          <a:lnRef idx="1">
-            <a:schemeClr val="accent1"/>
-          </a:lnRef>
-          <a:fillRef idx="0">
-            <a:schemeClr val="accent1"/>
-          </a:fillRef>
-          <a:effectRef idx="0">
-            <a:schemeClr val="accent1"/>
-          </a:effectRef>
-          <a:fontRef idx="minor">
-            <a:schemeClr val="tx1"/>
-          </a:fontRef>
-        </p:style>
-      </p:cxnSp>
-      <p:pic>
-        <p:nvPicPr>
-          <p:cNvPr id="8" name="그림 7"/>
-          <p:cNvPicPr>
-            <a:picLocks noChangeAspect="1"/>
-          </p:cNvPicPr>
-          <p:nvPr/>
-        </p:nvPicPr>
-        <p:blipFill>
-          <a:blip r:embed="rId2"/>
-          <a:stretch>
-            <a:fillRect/>
-          </a:stretch>
-        </p:blipFill>
-        <p:spPr>
-          <a:xfrm>
-            <a:off x="3232849" y="1715965"/>
-            <a:ext cx="5857875" cy="3619500"/>
-          </a:xfrm>
-          <a:prstGeom prst="rect">
-            <a:avLst/>
-          </a:prstGeom>
-        </p:spPr>
-      </p:pic>
-    </p:spTree>
-    <p:extLst>
-      <p:ext uri="{BB962C8B-B14F-4D97-AF65-F5344CB8AC3E}">
-        <p14:creationId xmlns:p14="http://schemas.microsoft.com/office/powerpoint/2010/main" val="3903932699"/>
-      </p:ext>
-    </p:extLst>
-  </p:cSld>
-  <p:clrMapOvr>
-    <a:masterClrMapping/>
-  </p:clrMapOvr>
-  <p:timing>
-    <p:tnLst>
-      <p:par>
-        <p:cTn id="1" dur="indefinite" restart="never" nodeType="tmRoot"/>
-      </p:par>
-    </p:tnLst>
-  </p:timing>
-</p:sld>
-</file>
-
 <file path=ppt/slides/slide15.xml><?xml version="1.0" encoding="utf-8"?>
 <p:sld xmlns:a="http://schemas.openxmlformats.org/drawingml/2006/main" xmlns:r="http://schemas.openxmlformats.org/officeDocument/2006/relationships" xmlns:p="http://schemas.openxmlformats.org/presentationml/2006/main">
   <p:cSld>
@@ -2731,7 +2782,15 @@
                   <a:schemeClr val="accent1"/>
                 </a:solidFill>
               </a:rPr>
-              <a:t>Part 4</a:t>
+              <a:t>Part </a:t>
+            </a:r>
+            <a:r>
+              <a:rPr lang="en-US" altLang="ko-KR" sz="1600" dirty="0" smtClean="0">
+                <a:solidFill>
+                  <a:schemeClr val="accent1"/>
+                </a:solidFill>
+              </a:rPr>
+              <a:t>5</a:t>
             </a:r>
             <a:endParaRPr lang="ko-KR" altLang="en-US" sz="1600" dirty="0">
               <a:solidFill>
@@ -2832,7 +2891,7 @@
       </p:cxnSp>
       <p:pic>
         <p:nvPicPr>
-          <p:cNvPr id="2" name="그림 1"/>
+          <p:cNvPr id="8" name="그림 7"/>
           <p:cNvPicPr>
             <a:picLocks noChangeAspect="1"/>
           </p:cNvPicPr>
@@ -2846,42 +2905,48 @@
         </p:blipFill>
         <p:spPr>
           <a:xfrm>
-            <a:off x="357535" y="1911133"/>
-            <a:ext cx="5190412" cy="3266454"/>
+            <a:off x="3245440" y="2223965"/>
+            <a:ext cx="5857875" cy="3619500"/>
           </a:xfrm>
           <a:prstGeom prst="rect">
             <a:avLst/>
           </a:prstGeom>
         </p:spPr>
       </p:pic>
-      <p:pic>
-        <p:nvPicPr>
-          <p:cNvPr id="7" name="그림 6"/>
-          <p:cNvPicPr>
-            <a:picLocks noChangeAspect="1"/>
-          </p:cNvPicPr>
-          <p:nvPr/>
-        </p:nvPicPr>
-        <p:blipFill>
-          <a:blip r:embed="rId3"/>
-          <a:stretch>
-            <a:fillRect/>
-          </a:stretch>
-        </p:blipFill>
-        <p:spPr>
-          <a:xfrm>
-            <a:off x="5664444" y="2018894"/>
-            <a:ext cx="6419667" cy="3050931"/>
+      <p:sp>
+        <p:nvSpPr>
+          <p:cNvPr id="7" name="TextBox 6"/>
+          <p:cNvSpPr txBox="1"/>
+          <p:nvPr/>
+        </p:nvSpPr>
+        <p:spPr>
+          <a:xfrm>
+            <a:off x="344834" y="1388021"/>
+            <a:ext cx="4506566" cy="400110"/>
           </a:xfrm>
           <a:prstGeom prst="rect">
             <a:avLst/>
           </a:prstGeom>
-        </p:spPr>
-      </p:pic>
+          <a:noFill/>
+        </p:spPr>
+        <p:txBody>
+          <a:bodyPr wrap="square" rtlCol="0">
+            <a:spAutoFit/>
+          </a:bodyPr>
+          <a:lstStyle/>
+          <a:p>
+            <a:r>
+              <a:rPr lang="ko-KR" altLang="en-US" sz="2000" dirty="0" smtClean="0"/>
+              <a:t>어플리케이션 초기 화면</a:t>
+            </a:r>
+            <a:endParaRPr lang="ko-KR" altLang="en-US" sz="2000" dirty="0"/>
+          </a:p>
+        </p:txBody>
+      </p:sp>
     </p:spTree>
     <p:extLst>
       <p:ext uri="{BB962C8B-B14F-4D97-AF65-F5344CB8AC3E}">
-        <p14:creationId xmlns:p14="http://schemas.microsoft.com/office/powerpoint/2010/main" val="2603379163"/>
+        <p14:creationId xmlns:p14="http://schemas.microsoft.com/office/powerpoint/2010/main" val="3903932699"/>
       </p:ext>
     </p:extLst>
   </p:cSld>
@@ -2990,7 +3055,311 @@
                   <a:schemeClr val="accent1"/>
                 </a:solidFill>
               </a:rPr>
-              <a:t>Part 4</a:t>
+              <a:t>Part </a:t>
+            </a:r>
+            <a:r>
+              <a:rPr lang="en-US" altLang="ko-KR" sz="1600" dirty="0" smtClean="0">
+                <a:solidFill>
+                  <a:schemeClr val="accent1"/>
+                </a:solidFill>
+              </a:rPr>
+              <a:t>5</a:t>
+            </a:r>
+            <a:endParaRPr lang="ko-KR" altLang="en-US" sz="1600" dirty="0">
+              <a:solidFill>
+                <a:schemeClr val="accent1"/>
+              </a:solidFill>
+            </a:endParaRPr>
+          </a:p>
+        </p:txBody>
+      </p:sp>
+      <p:sp>
+        <p:nvSpPr>
+          <p:cNvPr id="5" name="TextBox 4">
+            <a:extLst>
+              <a:ext uri="{FF2B5EF4-FFF2-40B4-BE49-F238E27FC236}">
+                <a16:creationId xmlns:a16="http://schemas.microsoft.com/office/drawing/2014/main" id="{3251639B-29EB-6E9D-733B-6F917838F571}"/>
+              </a:ext>
+            </a:extLst>
+          </p:cNvPr>
+          <p:cNvSpPr txBox="1"/>
+          <p:nvPr/>
+        </p:nvSpPr>
+        <p:spPr>
+          <a:xfrm>
+            <a:off x="1163052" y="272716"/>
+            <a:ext cx="2108269" cy="523220"/>
+          </a:xfrm>
+          <a:prstGeom prst="rect">
+            <a:avLst/>
+          </a:prstGeom>
+          <a:noFill/>
+        </p:spPr>
+        <p:txBody>
+          <a:bodyPr wrap="none" rtlCol="0">
+            <a:spAutoFit/>
+          </a:bodyPr>
+          <a:lstStyle/>
+          <a:p>
+            <a:r>
+              <a:rPr lang="ko-KR" altLang="en-US" sz="2800" b="1" spc="-300" dirty="0" smtClean="0">
+                <a:solidFill>
+                  <a:schemeClr val="accent1"/>
+                </a:solidFill>
+                <a:latin typeface="+mj-ea"/>
+                <a:ea typeface="+mj-ea"/>
+              </a:rPr>
+              <a:t>어플리케이션</a:t>
+            </a:r>
+            <a:endParaRPr lang="ko-KR" altLang="en-US" sz="2800" b="1" spc="-300" dirty="0">
+              <a:solidFill>
+                <a:schemeClr val="accent1"/>
+              </a:solidFill>
+              <a:latin typeface="+mj-ea"/>
+              <a:ea typeface="+mj-ea"/>
+            </a:endParaRPr>
+          </a:p>
+        </p:txBody>
+      </p:sp>
+      <p:cxnSp>
+        <p:nvCxnSpPr>
+          <p:cNvPr id="6" name="직선 연결선 5">
+            <a:extLst>
+              <a:ext uri="{FF2B5EF4-FFF2-40B4-BE49-F238E27FC236}">
+                <a16:creationId xmlns:a16="http://schemas.microsoft.com/office/drawing/2014/main" id="{227D3D02-66A7-B0C0-2CF2-A0900C18861C}"/>
+              </a:ext>
+            </a:extLst>
+          </p:cNvPr>
+          <p:cNvCxnSpPr/>
+          <p:nvPr/>
+        </p:nvCxnSpPr>
+        <p:spPr>
+          <a:xfrm>
+            <a:off x="144378" y="6737685"/>
+            <a:ext cx="12060000" cy="0"/>
+          </a:xfrm>
+          <a:prstGeom prst="line">
+            <a:avLst/>
+          </a:prstGeom>
+          <a:ln w="3175">
+            <a:solidFill>
+              <a:schemeClr val="accent1"/>
+            </a:solidFill>
+          </a:ln>
+        </p:spPr>
+        <p:style>
+          <a:lnRef idx="1">
+            <a:schemeClr val="accent1"/>
+          </a:lnRef>
+          <a:fillRef idx="0">
+            <a:schemeClr val="accent1"/>
+          </a:fillRef>
+          <a:effectRef idx="0">
+            <a:schemeClr val="accent1"/>
+          </a:effectRef>
+          <a:fontRef idx="minor">
+            <a:schemeClr val="tx1"/>
+          </a:fontRef>
+        </p:style>
+      </p:cxnSp>
+      <p:pic>
+        <p:nvPicPr>
+          <p:cNvPr id="2" name="그림 1"/>
+          <p:cNvPicPr>
+            <a:picLocks noChangeAspect="1"/>
+          </p:cNvPicPr>
+          <p:nvPr/>
+        </p:nvPicPr>
+        <p:blipFill>
+          <a:blip r:embed="rId2"/>
+          <a:stretch>
+            <a:fillRect/>
+          </a:stretch>
+        </p:blipFill>
+        <p:spPr>
+          <a:xfrm>
+            <a:off x="344835" y="2279130"/>
+            <a:ext cx="5190412" cy="3266454"/>
+          </a:xfrm>
+          <a:prstGeom prst="rect">
+            <a:avLst/>
+          </a:prstGeom>
+        </p:spPr>
+      </p:pic>
+      <p:pic>
+        <p:nvPicPr>
+          <p:cNvPr id="7" name="그림 6"/>
+          <p:cNvPicPr>
+            <a:picLocks noChangeAspect="1"/>
+          </p:cNvPicPr>
+          <p:nvPr/>
+        </p:nvPicPr>
+        <p:blipFill rotWithShape="1">
+          <a:blip r:embed="rId3"/>
+          <a:srcRect r="10287"/>
+          <a:stretch/>
+        </p:blipFill>
+        <p:spPr>
+          <a:xfrm>
+            <a:off x="5797733" y="2190230"/>
+            <a:ext cx="6237110" cy="3537470"/>
+          </a:xfrm>
+          <a:prstGeom prst="rect">
+            <a:avLst/>
+          </a:prstGeom>
+        </p:spPr>
+      </p:pic>
+      <p:sp>
+        <p:nvSpPr>
+          <p:cNvPr id="8" name="TextBox 7"/>
+          <p:cNvSpPr txBox="1"/>
+          <p:nvPr/>
+        </p:nvSpPr>
+        <p:spPr>
+          <a:xfrm>
+            <a:off x="344834" y="1388021"/>
+            <a:ext cx="4506566" cy="400110"/>
+          </a:xfrm>
+          <a:prstGeom prst="rect">
+            <a:avLst/>
+          </a:prstGeom>
+          <a:noFill/>
+        </p:spPr>
+        <p:txBody>
+          <a:bodyPr wrap="square" rtlCol="0">
+            <a:spAutoFit/>
+          </a:bodyPr>
+          <a:lstStyle/>
+          <a:p>
+            <a:r>
+              <a:rPr lang="ko-KR" altLang="en-US" sz="2000" dirty="0" smtClean="0"/>
+              <a:t>게임 이름을 이용한 추천</a:t>
+            </a:r>
+            <a:endParaRPr lang="ko-KR" altLang="en-US" sz="2000" dirty="0"/>
+          </a:p>
+        </p:txBody>
+      </p:sp>
+    </p:spTree>
+    <p:extLst>
+      <p:ext uri="{BB962C8B-B14F-4D97-AF65-F5344CB8AC3E}">
+        <p14:creationId xmlns:p14="http://schemas.microsoft.com/office/powerpoint/2010/main" val="2603379163"/>
+      </p:ext>
+    </p:extLst>
+  </p:cSld>
+  <p:clrMapOvr>
+    <a:masterClrMapping/>
+  </p:clrMapOvr>
+  <p:timing>
+    <p:tnLst>
+      <p:par>
+        <p:cTn id="1" dur="indefinite" restart="never" nodeType="tmRoot"/>
+      </p:par>
+    </p:tnLst>
+  </p:timing>
+</p:sld>
+</file>
+
+<file path=ppt/slides/slide17.xml><?xml version="1.0" encoding="utf-8"?>
+<p:sld xmlns:a="http://schemas.openxmlformats.org/drawingml/2006/main" xmlns:r="http://schemas.openxmlformats.org/officeDocument/2006/relationships" xmlns:p="http://schemas.openxmlformats.org/presentationml/2006/main">
+  <p:cSld>
+    <p:spTree>
+      <p:nvGrpSpPr>
+        <p:cNvPr id="1" name=""/>
+        <p:cNvGrpSpPr/>
+        <p:nvPr/>
+      </p:nvGrpSpPr>
+      <p:grpSpPr>
+        <a:xfrm>
+          <a:off x="0" y="0"/>
+          <a:ext cx="0" cy="0"/>
+          <a:chOff x="0" y="0"/>
+          <a:chExt cx="0" cy="0"/>
+        </a:xfrm>
+      </p:grpSpPr>
+      <p:cxnSp>
+        <p:nvCxnSpPr>
+          <p:cNvPr id="3" name="직선 연결선 2">
+            <a:extLst>
+              <a:ext uri="{FF2B5EF4-FFF2-40B4-BE49-F238E27FC236}">
+                <a16:creationId xmlns:a16="http://schemas.microsoft.com/office/drawing/2014/main" id="{E3FBA607-E7FC-B7F8-2868-BC448F31F790}"/>
+              </a:ext>
+            </a:extLst>
+          </p:cNvPr>
+          <p:cNvCxnSpPr/>
+          <p:nvPr/>
+        </p:nvCxnSpPr>
+        <p:spPr>
+          <a:xfrm>
+            <a:off x="144378" y="160422"/>
+            <a:ext cx="12060000" cy="0"/>
+          </a:xfrm>
+          <a:prstGeom prst="line">
+            <a:avLst/>
+          </a:prstGeom>
+          <a:ln w="76200">
+            <a:solidFill>
+              <a:schemeClr val="accent1"/>
+            </a:solidFill>
+          </a:ln>
+        </p:spPr>
+        <p:style>
+          <a:lnRef idx="1">
+            <a:schemeClr val="accent1"/>
+          </a:lnRef>
+          <a:fillRef idx="0">
+            <a:schemeClr val="accent1"/>
+          </a:fillRef>
+          <a:effectRef idx="0">
+            <a:schemeClr val="accent1"/>
+          </a:effectRef>
+          <a:fontRef idx="minor">
+            <a:schemeClr val="tx1"/>
+          </a:fontRef>
+        </p:style>
+      </p:cxnSp>
+      <p:sp>
+        <p:nvSpPr>
+          <p:cNvPr id="4" name="TextBox 3">
+            <a:extLst>
+              <a:ext uri="{FF2B5EF4-FFF2-40B4-BE49-F238E27FC236}">
+                <a16:creationId xmlns:a16="http://schemas.microsoft.com/office/drawing/2014/main" id="{B8326A7D-F71C-ED1C-CBFD-93F557654D2A}"/>
+              </a:ext>
+            </a:extLst>
+          </p:cNvPr>
+          <p:cNvSpPr txBox="1"/>
+          <p:nvPr/>
+        </p:nvSpPr>
+        <p:spPr>
+          <a:xfrm>
+            <a:off x="144378" y="272716"/>
+            <a:ext cx="752129" cy="338554"/>
+          </a:xfrm>
+          <a:prstGeom prst="rect">
+            <a:avLst/>
+          </a:prstGeom>
+          <a:noFill/>
+        </p:spPr>
+        <p:txBody>
+          <a:bodyPr wrap="none" rtlCol="0">
+            <a:spAutoFit/>
+          </a:bodyPr>
+          <a:lstStyle/>
+          <a:p>
+            <a:r>
+              <a:rPr lang="en-US" altLang="ko-KR" sz="1600" dirty="0">
+                <a:solidFill>
+                  <a:schemeClr val="accent1"/>
+                </a:solidFill>
+              </a:rPr>
+              <a:t>Part </a:t>
+            </a:r>
+            <a:r>
+              <a:rPr lang="en-US" altLang="ko-KR" sz="1600" dirty="0" smtClean="0">
+                <a:solidFill>
+                  <a:schemeClr val="accent1"/>
+                </a:solidFill>
+              </a:rPr>
+              <a:t>5</a:t>
             </a:r>
             <a:endParaRPr lang="ko-KR" altLang="en-US" sz="1600" dirty="0">
               <a:solidFill>
@@ -3101,7 +3470,7 @@
         </p:blipFill>
         <p:spPr>
           <a:xfrm>
-            <a:off x="407742" y="1984738"/>
+            <a:off x="520442" y="2835638"/>
             <a:ext cx="4797303" cy="2928632"/>
           </a:xfrm>
           <a:prstGeom prst="rect">
@@ -3117,22 +3486,51 @@
           </p:cNvPicPr>
           <p:nvPr/>
         </p:nvPicPr>
-        <p:blipFill>
+        <p:blipFill rotWithShape="1">
           <a:blip r:embed="rId3"/>
-          <a:stretch>
-            <a:fillRect/>
-          </a:stretch>
+          <a:srcRect r="14652"/>
+          <a:stretch/>
         </p:blipFill>
         <p:spPr>
           <a:xfrm>
-            <a:off x="5525232" y="1906867"/>
-            <a:ext cx="6397690" cy="3084373"/>
+            <a:off x="5487132" y="2446687"/>
+            <a:ext cx="6561678" cy="3706533"/>
           </a:xfrm>
           <a:prstGeom prst="rect">
             <a:avLst/>
           </a:prstGeom>
         </p:spPr>
       </p:pic>
+      <p:sp>
+        <p:nvSpPr>
+          <p:cNvPr id="10" name="TextBox 9"/>
+          <p:cNvSpPr txBox="1"/>
+          <p:nvPr/>
+        </p:nvSpPr>
+        <p:spPr>
+          <a:xfrm>
+            <a:off x="520442" y="1523399"/>
+            <a:ext cx="4506566" cy="400110"/>
+          </a:xfrm>
+          <a:prstGeom prst="rect">
+            <a:avLst/>
+          </a:prstGeom>
+          <a:noFill/>
+        </p:spPr>
+        <p:txBody>
+          <a:bodyPr wrap="square" rtlCol="0">
+            <a:spAutoFit/>
+          </a:bodyPr>
+          <a:lstStyle/>
+          <a:p>
+            <a:r>
+              <a:rPr lang="ko-KR" altLang="en-US" sz="2000" dirty="0" smtClean="0"/>
+              <a:t>특정 장르와 키워드를 통한 게임 추천</a:t>
+            </a:r>
+            <a:endParaRPr lang="ko-KR" altLang="en-US" sz="2000" dirty="0"/>
+          </a:p>
+        </p:txBody>
+      </p:sp>
     </p:spTree>
     <p:extLst>
       <p:ext uri="{BB962C8B-B14F-4D97-AF65-F5344CB8AC3E}">
@@ -3153,7 +3551,7 @@
 </p:sld>
 </file>
 
-<file path=ppt/slides/slide17.xml><?xml version="1.0" encoding="utf-8"?>
+<file path=ppt/slides/slide18.xml><?xml version="1.0" encoding="utf-8"?>
 <p:sld xmlns:a="http://schemas.openxmlformats.org/drawingml/2006/main" xmlns:r="http://schemas.openxmlformats.org/officeDocument/2006/relationships" xmlns:p="http://schemas.openxmlformats.org/presentationml/2006/main">
   <p:cSld>
     <p:bg>
@@ -3234,7 +3632,7 @@
                   <a:latin typeface="+mj-ea"/>
                   <a:ea typeface="+mj-ea"/>
                 </a:rPr>
-                <a:t>5</a:t>
+                <a:t>6</a:t>
               </a:r>
               <a:endParaRPr lang="ko-KR" altLang="en-US" sz="19900" b="1" dirty="0">
                 <a:solidFill>
@@ -3408,7 +3806,7 @@
 </p:sld>
 </file>
 
-<file path=ppt/slides/slide18.xml><?xml version="1.0" encoding="utf-8"?>
+<file path=ppt/slides/slide19.xml><?xml version="1.0" encoding="utf-8"?>
 <p:sld xmlns:a="http://schemas.openxmlformats.org/drawingml/2006/main" xmlns:r="http://schemas.openxmlformats.org/officeDocument/2006/relationships" xmlns:p="http://schemas.openxmlformats.org/presentationml/2006/main">
   <p:cSld>
     <p:spTree>
@@ -3500,15 +3898,7 @@
                   <a:schemeClr val="accent1"/>
                 </a:solidFill>
               </a:rPr>
-              <a:t>Part </a:t>
-            </a:r>
-            <a:r>
-              <a:rPr lang="en-US" altLang="ko-KR" sz="1600" dirty="0" smtClean="0">
-                <a:solidFill>
-                  <a:schemeClr val="accent1"/>
-                </a:solidFill>
-              </a:rPr>
-              <a:t>5</a:t>
+              <a:t>Part 6</a:t>
             </a:r>
             <a:endParaRPr lang="ko-KR" altLang="en-US" sz="1600" dirty="0">
               <a:solidFill>
@@ -3616,7 +4006,7 @@
         <p:spPr>
           <a:xfrm>
             <a:off x="896508" y="2323059"/>
-            <a:ext cx="4027185" cy="369332"/>
+            <a:ext cx="5250292" cy="369332"/>
           </a:xfrm>
           <a:prstGeom prst="rect">
             <a:avLst/>
@@ -3634,7 +4024,21 @@
                 <a:latin typeface="+mj-ea"/>
                 <a:ea typeface="+mj-ea"/>
               </a:rPr>
-              <a:t>● 데이터 </a:t>
+              <a:t>● </a:t>
+            </a:r>
+            <a:r>
+              <a:rPr lang="ko-KR" altLang="en-US" b="1" dirty="0" err="1" smtClean="0">
+                <a:latin typeface="+mj-ea"/>
+                <a:ea typeface="+mj-ea"/>
+              </a:rPr>
+              <a:t>웹페이지를</a:t>
+            </a:r>
+            <a:r>
+              <a:rPr lang="ko-KR" altLang="en-US" b="1" dirty="0" smtClean="0">
+                <a:latin typeface="+mj-ea"/>
+                <a:ea typeface="+mj-ea"/>
+              </a:rPr>
+              <a:t> 이용한 데이터 </a:t>
             </a:r>
             <a:r>
               <a:rPr lang="ko-KR" altLang="en-US" b="1" dirty="0" err="1" smtClean="0">
@@ -3665,7 +4069,7 @@
         </p:nvSpPr>
         <p:spPr>
           <a:xfrm>
-            <a:off x="896507" y="4192509"/>
+            <a:off x="896507" y="4979909"/>
             <a:ext cx="7579278" cy="369332"/>
           </a:xfrm>
           <a:prstGeom prst="rect">
@@ -3684,14 +4088,7 @@
                 <a:latin typeface="+mj-ea"/>
                 <a:ea typeface="+mj-ea"/>
               </a:rPr>
-              <a:t>● 한국어 리뷰가 적어 영어 리뷰를 </a:t>
-            </a:r>
-            <a:r>
-              <a:rPr lang="ko-KR" altLang="en-US" b="1" dirty="0" smtClean="0">
-                <a:latin typeface="+mj-ea"/>
-                <a:ea typeface="+mj-ea"/>
-              </a:rPr>
-              <a:t>자동번역하여 사용한 </a:t>
+              <a:t>● 한국어 리뷰가 적어 영어 리뷰를 자동번역하여 사용한 </a:t>
             </a:r>
             <a:r>
               <a:rPr lang="ko-KR" altLang="en-US" b="1" smtClean="0">
@@ -3751,7 +4148,7 @@
         </p:nvSpPr>
         <p:spPr>
           <a:xfrm>
-            <a:off x="896507" y="3028143"/>
+            <a:off x="896507" y="3815543"/>
             <a:ext cx="1354324" cy="369332"/>
           </a:xfrm>
           <a:prstGeom prst="rect">
@@ -3787,7 +4184,7 @@
         </p:nvSpPr>
         <p:spPr>
           <a:xfrm>
-            <a:off x="896507" y="3610326"/>
+            <a:off x="896507" y="4397726"/>
             <a:ext cx="5583424" cy="369332"/>
           </a:xfrm>
           <a:prstGeom prst="rect">
@@ -3807,6 +4204,42 @@
                 <a:ea typeface="+mj-ea"/>
               </a:rPr>
               <a:t>● 추천 게임의 상점 링크 넣기 </a:t>
+            </a:r>
+            <a:endParaRPr lang="ko-KR" altLang="en-US" b="1" dirty="0">
+              <a:latin typeface="+mj-ea"/>
+              <a:ea typeface="+mj-ea"/>
+            </a:endParaRPr>
+          </a:p>
+        </p:txBody>
+      </p:sp>
+      <p:sp>
+        <p:nvSpPr>
+          <p:cNvPr id="12" name="TextBox 11"/>
+          <p:cNvSpPr txBox="1"/>
+          <p:nvPr/>
+        </p:nvSpPr>
+        <p:spPr>
+          <a:xfrm>
+            <a:off x="896507" y="3081992"/>
+            <a:ext cx="5250293" cy="369332"/>
+          </a:xfrm>
+          <a:prstGeom prst="rect">
+            <a:avLst/>
+          </a:prstGeom>
+          <a:noFill/>
+        </p:spPr>
+        <p:txBody>
+          <a:bodyPr wrap="square" rtlCol="0">
+            <a:spAutoFit/>
+          </a:bodyPr>
+          <a:lstStyle/>
+          <a:p>
+            <a:r>
+              <a:rPr lang="ko-KR" altLang="en-US" b="1" smtClean="0">
+                <a:latin typeface="+mj-ea"/>
+                <a:ea typeface="+mj-ea"/>
+              </a:rPr>
+              <a:t>● 어플리케이션에 새 창을 추가하는데 어려웠음</a:t>
             </a:r>
             <a:endParaRPr lang="ko-KR" altLang="en-US" b="1" dirty="0">
               <a:latin typeface="+mj-ea"/>
@@ -3835,7 +4268,875 @@
 </p:sld>
 </file>
 
-<file path=ppt/slides/slide19.xml><?xml version="1.0" encoding="utf-8"?>
+<file path=ppt/slides/slide2.xml><?xml version="1.0" encoding="utf-8"?>
+<p:sld xmlns:a="http://schemas.openxmlformats.org/drawingml/2006/main" xmlns:r="http://schemas.openxmlformats.org/officeDocument/2006/relationships" xmlns:p="http://schemas.openxmlformats.org/presentationml/2006/main">
+  <p:cSld>
+    <p:bg>
+      <p:bgPr>
+        <a:solidFill>
+          <a:schemeClr val="bg1">
+            <a:lumMod val="95000"/>
+          </a:schemeClr>
+        </a:solidFill>
+        <a:effectLst/>
+      </p:bgPr>
+    </p:bg>
+    <p:spTree>
+      <p:nvGrpSpPr>
+        <p:cNvPr id="1" name=""/>
+        <p:cNvGrpSpPr/>
+        <p:nvPr/>
+      </p:nvGrpSpPr>
+      <p:grpSpPr>
+        <a:xfrm>
+          <a:off x="0" y="0"/>
+          <a:ext cx="0" cy="0"/>
+          <a:chOff x="0" y="0"/>
+          <a:chExt cx="0" cy="0"/>
+        </a:xfrm>
+      </p:grpSpPr>
+      <p:cxnSp>
+        <p:nvCxnSpPr>
+          <p:cNvPr id="3" name="직선 연결선 2">
+            <a:extLst>
+              <a:ext uri="{FF2B5EF4-FFF2-40B4-BE49-F238E27FC236}">
+                <a16:creationId xmlns:a16="http://schemas.microsoft.com/office/drawing/2014/main" id="{695F5617-8CB3-2C90-D484-7E78AF629F77}"/>
+              </a:ext>
+            </a:extLst>
+          </p:cNvPr>
+          <p:cNvCxnSpPr/>
+          <p:nvPr/>
+        </p:nvCxnSpPr>
+        <p:spPr>
+          <a:xfrm>
+            <a:off x="144378" y="176464"/>
+            <a:ext cx="12060000" cy="0"/>
+          </a:xfrm>
+          <a:prstGeom prst="line">
+            <a:avLst/>
+          </a:prstGeom>
+          <a:ln w="76200">
+            <a:solidFill>
+              <a:schemeClr val="accent3">
+                <a:lumMod val="75000"/>
+              </a:schemeClr>
+            </a:solidFill>
+          </a:ln>
+        </p:spPr>
+        <p:style>
+          <a:lnRef idx="1">
+            <a:schemeClr val="accent1"/>
+          </a:lnRef>
+          <a:fillRef idx="0">
+            <a:schemeClr val="accent1"/>
+          </a:fillRef>
+          <a:effectRef idx="0">
+            <a:schemeClr val="accent1"/>
+          </a:effectRef>
+          <a:fontRef idx="minor">
+            <a:schemeClr val="tx1"/>
+          </a:fontRef>
+        </p:style>
+      </p:cxnSp>
+      <p:cxnSp>
+        <p:nvCxnSpPr>
+          <p:cNvPr id="4" name="직선 연결선 3">
+            <a:extLst>
+              <a:ext uri="{FF2B5EF4-FFF2-40B4-BE49-F238E27FC236}">
+                <a16:creationId xmlns:a16="http://schemas.microsoft.com/office/drawing/2014/main" id="{8B4A3B93-1F0C-9A0F-F5F7-F4FD3957F3AF}"/>
+              </a:ext>
+            </a:extLst>
+          </p:cNvPr>
+          <p:cNvCxnSpPr/>
+          <p:nvPr/>
+        </p:nvCxnSpPr>
+        <p:spPr>
+          <a:xfrm>
+            <a:off x="144378" y="6705601"/>
+            <a:ext cx="12060000" cy="0"/>
+          </a:xfrm>
+          <a:prstGeom prst="line">
+            <a:avLst/>
+          </a:prstGeom>
+          <a:ln w="3175">
+            <a:solidFill>
+              <a:schemeClr val="accent3">
+                <a:lumMod val="75000"/>
+              </a:schemeClr>
+            </a:solidFill>
+          </a:ln>
+        </p:spPr>
+        <p:style>
+          <a:lnRef idx="1">
+            <a:schemeClr val="accent1"/>
+          </a:lnRef>
+          <a:fillRef idx="0">
+            <a:schemeClr val="accent1"/>
+          </a:fillRef>
+          <a:effectRef idx="0">
+            <a:schemeClr val="accent1"/>
+          </a:effectRef>
+          <a:fontRef idx="minor">
+            <a:schemeClr val="tx1"/>
+          </a:fontRef>
+        </p:style>
+      </p:cxnSp>
+      <p:sp>
+        <p:nvSpPr>
+          <p:cNvPr id="5" name="TextBox 4">
+            <a:extLst>
+              <a:ext uri="{FF2B5EF4-FFF2-40B4-BE49-F238E27FC236}">
+                <a16:creationId xmlns:a16="http://schemas.microsoft.com/office/drawing/2014/main" id="{B748DE9C-B5AD-BAA4-4EBD-53FA1916E9A2}"/>
+              </a:ext>
+            </a:extLst>
+          </p:cNvPr>
+          <p:cNvSpPr txBox="1"/>
+          <p:nvPr/>
+        </p:nvSpPr>
+        <p:spPr>
+          <a:xfrm>
+            <a:off x="1229707" y="721892"/>
+            <a:ext cx="982961" cy="646331"/>
+          </a:xfrm>
+          <a:prstGeom prst="rect">
+            <a:avLst/>
+          </a:prstGeom>
+          <a:noFill/>
+        </p:spPr>
+        <p:txBody>
+          <a:bodyPr wrap="none" rtlCol="0">
+            <a:spAutoFit/>
+          </a:bodyPr>
+          <a:lstStyle/>
+          <a:p>
+            <a:r>
+              <a:rPr lang="ko-KR" altLang="en-US" sz="3600" b="1" dirty="0">
+                <a:solidFill>
+                  <a:schemeClr val="accent1"/>
+                </a:solidFill>
+                <a:latin typeface="+mj-ea"/>
+                <a:ea typeface="+mj-ea"/>
+              </a:rPr>
+              <a:t>목차</a:t>
+            </a:r>
+          </a:p>
+        </p:txBody>
+      </p:sp>
+      <p:sp>
+        <p:nvSpPr>
+          <p:cNvPr id="7" name="TextBox 6">
+            <a:extLst>
+              <a:ext uri="{FF2B5EF4-FFF2-40B4-BE49-F238E27FC236}">
+                <a16:creationId xmlns:a16="http://schemas.microsoft.com/office/drawing/2014/main" id="{CE308183-DB54-F711-9B69-C8C5752AF7AF}"/>
+              </a:ext>
+            </a:extLst>
+          </p:cNvPr>
+          <p:cNvSpPr txBox="1"/>
+          <p:nvPr/>
+        </p:nvSpPr>
+        <p:spPr>
+          <a:xfrm>
+            <a:off x="1893115" y="2357652"/>
+            <a:ext cx="304892" cy="400110"/>
+          </a:xfrm>
+          <a:prstGeom prst="rect">
+            <a:avLst/>
+          </a:prstGeom>
+          <a:noFill/>
+        </p:spPr>
+        <p:txBody>
+          <a:bodyPr wrap="none" rtlCol="0">
+            <a:spAutoFit/>
+          </a:bodyPr>
+          <a:lstStyle/>
+          <a:p>
+            <a:r>
+              <a:rPr lang="en-US" altLang="ko-KR" sz="2000" b="1" dirty="0">
+                <a:solidFill>
+                  <a:schemeClr val="accent1"/>
+                </a:solidFill>
+              </a:rPr>
+              <a:t>1</a:t>
+            </a:r>
+            <a:endParaRPr lang="ko-KR" altLang="en-US" sz="2000" b="1" dirty="0">
+              <a:solidFill>
+                <a:schemeClr val="accent1"/>
+              </a:solidFill>
+            </a:endParaRPr>
+          </a:p>
+        </p:txBody>
+      </p:sp>
+      <p:sp>
+        <p:nvSpPr>
+          <p:cNvPr id="8" name="TextBox 7">
+            <a:extLst>
+              <a:ext uri="{FF2B5EF4-FFF2-40B4-BE49-F238E27FC236}">
+                <a16:creationId xmlns:a16="http://schemas.microsoft.com/office/drawing/2014/main" id="{BC5F8E78-68AC-B048-5336-EE835D4169E6}"/>
+              </a:ext>
+            </a:extLst>
+          </p:cNvPr>
+          <p:cNvSpPr txBox="1"/>
+          <p:nvPr/>
+        </p:nvSpPr>
+        <p:spPr>
+          <a:xfrm>
+            <a:off x="2585007" y="2300644"/>
+            <a:ext cx="2196435" cy="523220"/>
+          </a:xfrm>
+          <a:prstGeom prst="rect">
+            <a:avLst/>
+          </a:prstGeom>
+          <a:noFill/>
+        </p:spPr>
+        <p:txBody>
+          <a:bodyPr wrap="none" rtlCol="0">
+            <a:spAutoFit/>
+          </a:bodyPr>
+          <a:lstStyle/>
+          <a:p>
+            <a:r>
+              <a:rPr lang="ko-KR" altLang="en-US" sz="2800" spc="-300" dirty="0" smtClean="0">
+                <a:solidFill>
+                  <a:schemeClr val="accent1"/>
+                </a:solidFill>
+                <a:latin typeface="+mj-ea"/>
+                <a:ea typeface="+mj-ea"/>
+              </a:rPr>
+              <a:t>프로젝트 목적</a:t>
+            </a:r>
+            <a:endParaRPr lang="ko-KR" altLang="en-US" sz="2800" spc="-300" dirty="0">
+              <a:solidFill>
+                <a:schemeClr val="accent1"/>
+              </a:solidFill>
+              <a:latin typeface="+mj-ea"/>
+              <a:ea typeface="+mj-ea"/>
+            </a:endParaRPr>
+          </a:p>
+        </p:txBody>
+      </p:sp>
+      <p:sp>
+        <p:nvSpPr>
+          <p:cNvPr id="9" name="TextBox 8">
+            <a:extLst>
+              <a:ext uri="{FF2B5EF4-FFF2-40B4-BE49-F238E27FC236}">
+                <a16:creationId xmlns:a16="http://schemas.microsoft.com/office/drawing/2014/main" id="{313F5BEB-A29E-EC98-4681-67E53CB0B3C2}"/>
+              </a:ext>
+            </a:extLst>
+          </p:cNvPr>
+          <p:cNvSpPr txBox="1"/>
+          <p:nvPr/>
+        </p:nvSpPr>
+        <p:spPr>
+          <a:xfrm>
+            <a:off x="6190856" y="2362199"/>
+            <a:ext cx="341760" cy="400110"/>
+          </a:xfrm>
+          <a:prstGeom prst="rect">
+            <a:avLst/>
+          </a:prstGeom>
+          <a:noFill/>
+        </p:spPr>
+        <p:txBody>
+          <a:bodyPr wrap="none" rtlCol="0">
+            <a:spAutoFit/>
+          </a:bodyPr>
+          <a:lstStyle/>
+          <a:p>
+            <a:r>
+              <a:rPr lang="en-US" altLang="ko-KR" sz="2000" b="1" dirty="0">
+                <a:solidFill>
+                  <a:schemeClr val="accent1"/>
+                </a:solidFill>
+              </a:rPr>
+              <a:t>2</a:t>
+            </a:r>
+            <a:endParaRPr lang="ko-KR" altLang="en-US" sz="2000" b="1" dirty="0">
+              <a:solidFill>
+                <a:schemeClr val="accent1"/>
+              </a:solidFill>
+            </a:endParaRPr>
+          </a:p>
+        </p:txBody>
+      </p:sp>
+      <p:sp>
+        <p:nvSpPr>
+          <p:cNvPr id="10" name="TextBox 9">
+            <a:extLst>
+              <a:ext uri="{FF2B5EF4-FFF2-40B4-BE49-F238E27FC236}">
+                <a16:creationId xmlns:a16="http://schemas.microsoft.com/office/drawing/2014/main" id="{15EF1453-BC33-8329-E803-35808F5E93AA}"/>
+              </a:ext>
+            </a:extLst>
+          </p:cNvPr>
+          <p:cNvSpPr txBox="1"/>
+          <p:nvPr/>
+        </p:nvSpPr>
+        <p:spPr>
+          <a:xfrm>
+            <a:off x="6919616" y="2300644"/>
+            <a:ext cx="1875835" cy="523220"/>
+          </a:xfrm>
+          <a:prstGeom prst="rect">
+            <a:avLst/>
+          </a:prstGeom>
+          <a:noFill/>
+        </p:spPr>
+        <p:txBody>
+          <a:bodyPr wrap="none" rtlCol="0">
+            <a:spAutoFit/>
+          </a:bodyPr>
+          <a:lstStyle/>
+          <a:p>
+            <a:r>
+              <a:rPr lang="ko-KR" altLang="en-US" sz="2800" spc="-300" dirty="0" smtClean="0">
+                <a:solidFill>
+                  <a:schemeClr val="accent1"/>
+                </a:solidFill>
+                <a:latin typeface="+mj-ea"/>
+                <a:ea typeface="+mj-ea"/>
+              </a:rPr>
+              <a:t>데이터 수집</a:t>
+            </a:r>
+            <a:endParaRPr lang="ko-KR" altLang="en-US" sz="2800" spc="-300" dirty="0">
+              <a:solidFill>
+                <a:schemeClr val="accent1"/>
+              </a:solidFill>
+              <a:latin typeface="+mj-ea"/>
+              <a:ea typeface="+mj-ea"/>
+            </a:endParaRPr>
+          </a:p>
+        </p:txBody>
+      </p:sp>
+      <p:sp>
+        <p:nvSpPr>
+          <p:cNvPr id="11" name="TextBox 10">
+            <a:extLst>
+              <a:ext uri="{FF2B5EF4-FFF2-40B4-BE49-F238E27FC236}">
+                <a16:creationId xmlns:a16="http://schemas.microsoft.com/office/drawing/2014/main" id="{C67FBC02-6717-E326-10F3-EED37C2CE102}"/>
+              </a:ext>
+            </a:extLst>
+          </p:cNvPr>
+          <p:cNvSpPr txBox="1"/>
+          <p:nvPr/>
+        </p:nvSpPr>
+        <p:spPr>
+          <a:xfrm>
+            <a:off x="1849835" y="3472400"/>
+            <a:ext cx="348172" cy="400110"/>
+          </a:xfrm>
+          <a:prstGeom prst="rect">
+            <a:avLst/>
+          </a:prstGeom>
+          <a:noFill/>
+        </p:spPr>
+        <p:txBody>
+          <a:bodyPr wrap="none" rtlCol="0">
+            <a:spAutoFit/>
+          </a:bodyPr>
+          <a:lstStyle/>
+          <a:p>
+            <a:r>
+              <a:rPr lang="en-US" altLang="ko-KR" sz="2000" b="1" dirty="0">
+                <a:solidFill>
+                  <a:schemeClr val="accent1"/>
+                </a:solidFill>
+              </a:rPr>
+              <a:t>3</a:t>
+            </a:r>
+            <a:endParaRPr lang="ko-KR" altLang="en-US" sz="2000" b="1" dirty="0">
+              <a:solidFill>
+                <a:schemeClr val="accent1"/>
+              </a:solidFill>
+            </a:endParaRPr>
+          </a:p>
+        </p:txBody>
+      </p:sp>
+      <p:sp>
+        <p:nvSpPr>
+          <p:cNvPr id="12" name="TextBox 11">
+            <a:extLst>
+              <a:ext uri="{FF2B5EF4-FFF2-40B4-BE49-F238E27FC236}">
+                <a16:creationId xmlns:a16="http://schemas.microsoft.com/office/drawing/2014/main" id="{475A99F0-E26F-49EF-19FA-5DA225DF25D0}"/>
+              </a:ext>
+            </a:extLst>
+          </p:cNvPr>
+          <p:cNvSpPr txBox="1"/>
+          <p:nvPr/>
+        </p:nvSpPr>
+        <p:spPr>
+          <a:xfrm>
+            <a:off x="2621875" y="3406080"/>
+            <a:ext cx="1768497" cy="523220"/>
+          </a:xfrm>
+          <a:prstGeom prst="rect">
+            <a:avLst/>
+          </a:prstGeom>
+          <a:noFill/>
+        </p:spPr>
+        <p:txBody>
+          <a:bodyPr wrap="none" rtlCol="0">
+            <a:spAutoFit/>
+          </a:bodyPr>
+          <a:lstStyle/>
+          <a:p>
+            <a:r>
+              <a:rPr lang="en-US" altLang="ko-KR" sz="2800" spc="-300" dirty="0" smtClean="0">
+                <a:solidFill>
+                  <a:schemeClr val="accent1"/>
+                </a:solidFill>
+                <a:latin typeface="+mj-ea"/>
+                <a:ea typeface="+mj-ea"/>
+              </a:rPr>
+              <a:t>Word Cloud</a:t>
+            </a:r>
+            <a:endParaRPr lang="ko-KR" altLang="en-US" sz="2800" spc="-300" dirty="0">
+              <a:solidFill>
+                <a:schemeClr val="accent1"/>
+              </a:solidFill>
+              <a:latin typeface="+mj-ea"/>
+              <a:ea typeface="+mj-ea"/>
+            </a:endParaRPr>
+          </a:p>
+        </p:txBody>
+      </p:sp>
+      <p:sp>
+        <p:nvSpPr>
+          <p:cNvPr id="13" name="TextBox 12">
+            <a:extLst>
+              <a:ext uri="{FF2B5EF4-FFF2-40B4-BE49-F238E27FC236}">
+                <a16:creationId xmlns:a16="http://schemas.microsoft.com/office/drawing/2014/main" id="{CEC5CD14-4594-1730-18CF-710701846C6F}"/>
+              </a:ext>
+            </a:extLst>
+          </p:cNvPr>
+          <p:cNvSpPr txBox="1"/>
+          <p:nvPr/>
+        </p:nvSpPr>
+        <p:spPr>
+          <a:xfrm>
+            <a:off x="6190856" y="3472006"/>
+            <a:ext cx="352982" cy="400110"/>
+          </a:xfrm>
+          <a:prstGeom prst="rect">
+            <a:avLst/>
+          </a:prstGeom>
+          <a:noFill/>
+        </p:spPr>
+        <p:txBody>
+          <a:bodyPr wrap="none" rtlCol="0">
+            <a:spAutoFit/>
+          </a:bodyPr>
+          <a:lstStyle/>
+          <a:p>
+            <a:r>
+              <a:rPr lang="en-US" altLang="ko-KR" sz="2000" b="1" dirty="0">
+                <a:solidFill>
+                  <a:schemeClr val="accent1"/>
+                </a:solidFill>
+              </a:rPr>
+              <a:t>4</a:t>
+            </a:r>
+            <a:endParaRPr lang="ko-KR" altLang="en-US" sz="2000" b="1" dirty="0">
+              <a:solidFill>
+                <a:schemeClr val="accent1"/>
+              </a:solidFill>
+            </a:endParaRPr>
+          </a:p>
+        </p:txBody>
+      </p:sp>
+      <p:sp>
+        <p:nvSpPr>
+          <p:cNvPr id="14" name="TextBox 13">
+            <a:extLst>
+              <a:ext uri="{FF2B5EF4-FFF2-40B4-BE49-F238E27FC236}">
+                <a16:creationId xmlns:a16="http://schemas.microsoft.com/office/drawing/2014/main" id="{E4BB9965-4F0D-8E0C-4C5A-019C795529F3}"/>
+              </a:ext>
+            </a:extLst>
+          </p:cNvPr>
+          <p:cNvSpPr txBox="1"/>
+          <p:nvPr/>
+        </p:nvSpPr>
+        <p:spPr>
+          <a:xfrm>
+            <a:off x="6919616" y="3410451"/>
+            <a:ext cx="1872629" cy="523220"/>
+          </a:xfrm>
+          <a:prstGeom prst="rect">
+            <a:avLst/>
+          </a:prstGeom>
+          <a:noFill/>
+        </p:spPr>
+        <p:txBody>
+          <a:bodyPr wrap="none" rtlCol="0">
+            <a:spAutoFit/>
+          </a:bodyPr>
+          <a:lstStyle/>
+          <a:p>
+            <a:r>
+              <a:rPr lang="en-US" altLang="ko-KR" sz="2800" spc="-300" dirty="0" smtClean="0">
+                <a:solidFill>
+                  <a:schemeClr val="accent1"/>
+                </a:solidFill>
+                <a:latin typeface="+mj-ea"/>
+                <a:ea typeface="+mj-ea"/>
+              </a:rPr>
+              <a:t>Word2Vector</a:t>
+            </a:r>
+            <a:endParaRPr lang="ko-KR" altLang="en-US" sz="2800" spc="-300" dirty="0">
+              <a:solidFill>
+                <a:schemeClr val="accent1"/>
+              </a:solidFill>
+              <a:latin typeface="+mj-ea"/>
+              <a:ea typeface="+mj-ea"/>
+            </a:endParaRPr>
+          </a:p>
+        </p:txBody>
+      </p:sp>
+      <p:sp>
+        <p:nvSpPr>
+          <p:cNvPr id="15" name="TextBox 14">
+            <a:extLst>
+              <a:ext uri="{FF2B5EF4-FFF2-40B4-BE49-F238E27FC236}">
+                <a16:creationId xmlns:a16="http://schemas.microsoft.com/office/drawing/2014/main" id="{627B173C-BF4B-5D6B-514A-71779E736CDB}"/>
+              </a:ext>
+            </a:extLst>
+          </p:cNvPr>
+          <p:cNvSpPr txBox="1"/>
+          <p:nvPr/>
+        </p:nvSpPr>
+        <p:spPr>
+          <a:xfrm>
+            <a:off x="2585007" y="986190"/>
+            <a:ext cx="1156086" cy="369332"/>
+          </a:xfrm>
+          <a:prstGeom prst="rect">
+            <a:avLst/>
+          </a:prstGeom>
+          <a:noFill/>
+        </p:spPr>
+        <p:txBody>
+          <a:bodyPr wrap="none" rtlCol="0">
+            <a:spAutoFit/>
+          </a:bodyPr>
+          <a:lstStyle/>
+          <a:p>
+            <a:r>
+              <a:rPr lang="en-US" altLang="ko-KR" dirty="0" smtClean="0">
+                <a:solidFill>
+                  <a:schemeClr val="accent1"/>
+                </a:solidFill>
+                <a:latin typeface="+mn-ea"/>
+              </a:rPr>
+              <a:t>Contents</a:t>
+            </a:r>
+            <a:endParaRPr lang="ko-KR" altLang="en-US" dirty="0">
+              <a:solidFill>
+                <a:schemeClr val="accent1"/>
+              </a:solidFill>
+              <a:latin typeface="+mn-ea"/>
+            </a:endParaRPr>
+          </a:p>
+        </p:txBody>
+      </p:sp>
+      <p:sp>
+        <p:nvSpPr>
+          <p:cNvPr id="16" name="TextBox 15">
+            <a:extLst>
+              <a:ext uri="{FF2B5EF4-FFF2-40B4-BE49-F238E27FC236}">
+                <a16:creationId xmlns:a16="http://schemas.microsoft.com/office/drawing/2014/main" id="{CEC5CD14-4594-1730-18CF-710701846C6F}"/>
+              </a:ext>
+            </a:extLst>
+          </p:cNvPr>
+          <p:cNvSpPr txBox="1"/>
+          <p:nvPr/>
+        </p:nvSpPr>
+        <p:spPr>
+          <a:xfrm>
+            <a:off x="1849835" y="4531627"/>
+            <a:ext cx="328936" cy="400110"/>
+          </a:xfrm>
+          <a:prstGeom prst="rect">
+            <a:avLst/>
+          </a:prstGeom>
+          <a:noFill/>
+        </p:spPr>
+        <p:txBody>
+          <a:bodyPr wrap="none" rtlCol="0">
+            <a:spAutoFit/>
+          </a:bodyPr>
+          <a:lstStyle/>
+          <a:p>
+            <a:r>
+              <a:rPr lang="en-US" altLang="ko-KR" sz="2000" b="1" dirty="0">
+                <a:solidFill>
+                  <a:schemeClr val="accent1"/>
+                </a:solidFill>
+              </a:rPr>
+              <a:t>5</a:t>
+            </a:r>
+            <a:endParaRPr lang="ko-KR" altLang="en-US" sz="2000" b="1" dirty="0">
+              <a:solidFill>
+                <a:schemeClr val="accent1"/>
+              </a:solidFill>
+            </a:endParaRPr>
+          </a:p>
+        </p:txBody>
+      </p:sp>
+      <p:sp>
+        <p:nvSpPr>
+          <p:cNvPr id="17" name="TextBox 16">
+            <a:extLst>
+              <a:ext uri="{FF2B5EF4-FFF2-40B4-BE49-F238E27FC236}">
+                <a16:creationId xmlns:a16="http://schemas.microsoft.com/office/drawing/2014/main" id="{E4BB9965-4F0D-8E0C-4C5A-019C795529F3}"/>
+              </a:ext>
+            </a:extLst>
+          </p:cNvPr>
+          <p:cNvSpPr txBox="1"/>
+          <p:nvPr/>
+        </p:nvSpPr>
+        <p:spPr>
+          <a:xfrm>
+            <a:off x="2578595" y="4470072"/>
+            <a:ext cx="2108269" cy="523220"/>
+          </a:xfrm>
+          <a:prstGeom prst="rect">
+            <a:avLst/>
+          </a:prstGeom>
+          <a:noFill/>
+        </p:spPr>
+        <p:txBody>
+          <a:bodyPr wrap="none" rtlCol="0">
+            <a:spAutoFit/>
+          </a:bodyPr>
+          <a:lstStyle/>
+          <a:p>
+            <a:r>
+              <a:rPr lang="ko-KR" altLang="en-US" sz="2800" spc="-300" dirty="0" smtClean="0">
+                <a:solidFill>
+                  <a:schemeClr val="accent1"/>
+                </a:solidFill>
+                <a:latin typeface="+mj-ea"/>
+                <a:ea typeface="+mj-ea"/>
+              </a:rPr>
+              <a:t>어플리케이션</a:t>
+            </a:r>
+            <a:endParaRPr lang="ko-KR" altLang="en-US" sz="2800" spc="-300" dirty="0">
+              <a:solidFill>
+                <a:schemeClr val="accent1"/>
+              </a:solidFill>
+              <a:latin typeface="+mj-ea"/>
+              <a:ea typeface="+mj-ea"/>
+            </a:endParaRPr>
+          </a:p>
+        </p:txBody>
+      </p:sp>
+      <p:sp>
+        <p:nvSpPr>
+          <p:cNvPr id="18" name="TextBox 17">
+            <a:extLst>
+              <a:ext uri="{FF2B5EF4-FFF2-40B4-BE49-F238E27FC236}">
+                <a16:creationId xmlns:a16="http://schemas.microsoft.com/office/drawing/2014/main" id="{CEC5CD14-4594-1730-18CF-710701846C6F}"/>
+              </a:ext>
+            </a:extLst>
+          </p:cNvPr>
+          <p:cNvSpPr txBox="1"/>
+          <p:nvPr/>
+        </p:nvSpPr>
+        <p:spPr>
+          <a:xfrm>
+            <a:off x="6190856" y="4470072"/>
+            <a:ext cx="328936" cy="400110"/>
+          </a:xfrm>
+          <a:prstGeom prst="rect">
+            <a:avLst/>
+          </a:prstGeom>
+          <a:noFill/>
+        </p:spPr>
+        <p:txBody>
+          <a:bodyPr wrap="none" rtlCol="0">
+            <a:spAutoFit/>
+          </a:bodyPr>
+          <a:lstStyle/>
+          <a:p>
+            <a:r>
+              <a:rPr lang="en-US" altLang="ko-KR" sz="2000" b="1" dirty="0">
+                <a:solidFill>
+                  <a:schemeClr val="accent1"/>
+                </a:solidFill>
+              </a:rPr>
+              <a:t>5</a:t>
+            </a:r>
+            <a:endParaRPr lang="ko-KR" altLang="en-US" sz="2000" b="1" dirty="0">
+              <a:solidFill>
+                <a:schemeClr val="accent1"/>
+              </a:solidFill>
+            </a:endParaRPr>
+          </a:p>
+        </p:txBody>
+      </p:sp>
+      <p:sp>
+        <p:nvSpPr>
+          <p:cNvPr id="19" name="TextBox 18">
+            <a:extLst>
+              <a:ext uri="{FF2B5EF4-FFF2-40B4-BE49-F238E27FC236}">
+                <a16:creationId xmlns:a16="http://schemas.microsoft.com/office/drawing/2014/main" id="{E4BB9965-4F0D-8E0C-4C5A-019C795529F3}"/>
+              </a:ext>
+            </a:extLst>
+          </p:cNvPr>
+          <p:cNvSpPr txBox="1"/>
+          <p:nvPr/>
+        </p:nvSpPr>
+        <p:spPr>
+          <a:xfrm>
+            <a:off x="6919616" y="4408517"/>
+            <a:ext cx="2592376" cy="523220"/>
+          </a:xfrm>
+          <a:prstGeom prst="rect">
+            <a:avLst/>
+          </a:prstGeom>
+          <a:noFill/>
+        </p:spPr>
+        <p:txBody>
+          <a:bodyPr wrap="none" rtlCol="0">
+            <a:spAutoFit/>
+          </a:bodyPr>
+          <a:lstStyle/>
+          <a:p>
+            <a:r>
+              <a:rPr lang="ko-KR" altLang="en-US" sz="2800" spc="-300" dirty="0" err="1" smtClean="0">
+                <a:solidFill>
+                  <a:schemeClr val="accent1"/>
+                </a:solidFill>
+                <a:latin typeface="+mj-ea"/>
+                <a:ea typeface="+mj-ea"/>
+              </a:rPr>
+              <a:t>느낀점</a:t>
+            </a:r>
+            <a:r>
+              <a:rPr lang="ko-KR" altLang="en-US" sz="2800" spc="-300" dirty="0" smtClean="0">
+                <a:solidFill>
+                  <a:schemeClr val="accent1"/>
+                </a:solidFill>
+                <a:latin typeface="+mj-ea"/>
+                <a:ea typeface="+mj-ea"/>
+              </a:rPr>
+              <a:t> 및 개선점</a:t>
+            </a:r>
+            <a:endParaRPr lang="ko-KR" altLang="en-US" sz="2800" spc="-300" dirty="0">
+              <a:solidFill>
+                <a:schemeClr val="accent1"/>
+              </a:solidFill>
+              <a:latin typeface="+mj-ea"/>
+              <a:ea typeface="+mj-ea"/>
+            </a:endParaRPr>
+          </a:p>
+        </p:txBody>
+      </p:sp>
+    </p:spTree>
+    <p:extLst>
+      <p:ext uri="{BB962C8B-B14F-4D97-AF65-F5344CB8AC3E}">
+        <p14:creationId xmlns:p14="http://schemas.microsoft.com/office/powerpoint/2010/main" val="4207314371"/>
+      </p:ext>
+    </p:extLst>
+  </p:cSld>
+  <p:clrMapOvr>
+    <a:masterClrMapping/>
+  </p:clrMapOvr>
+  <p:timing>
+    <p:tnLst>
+      <p:par>
+        <p:cTn id="1" dur="indefinite" restart="never" nodeType="tmRoot"/>
+      </p:par>
+    </p:tnLst>
+  </p:timing>
+</p:sld>
+</file>
+
+<file path=ppt/slides/slide20.xml><?xml version="1.0" encoding="utf-8"?>
+<p:sld xmlns:a="http://schemas.openxmlformats.org/drawingml/2006/main" xmlns:r="http://schemas.openxmlformats.org/officeDocument/2006/relationships" xmlns:p="http://schemas.openxmlformats.org/presentationml/2006/main">
+  <p:cSld>
+    <p:bg>
+      <p:bgPr>
+        <a:solidFill>
+          <a:srgbClr val="224D60"/>
+        </a:solidFill>
+        <a:effectLst/>
+      </p:bgPr>
+    </p:bg>
+    <p:spTree>
+      <p:nvGrpSpPr>
+        <p:cNvPr id="1" name=""/>
+        <p:cNvGrpSpPr/>
+        <p:nvPr/>
+      </p:nvGrpSpPr>
+      <p:grpSpPr>
+        <a:xfrm>
+          <a:off x="0" y="0"/>
+          <a:ext cx="0" cy="0"/>
+          <a:chOff x="0" y="0"/>
+          <a:chExt cx="0" cy="0"/>
+        </a:xfrm>
+      </p:grpSpPr>
+      <p:sp>
+        <p:nvSpPr>
+          <p:cNvPr id="2" name="TextBox 1"/>
+          <p:cNvSpPr txBox="1"/>
+          <p:nvPr/>
+        </p:nvSpPr>
+        <p:spPr>
+          <a:xfrm>
+            <a:off x="2844800" y="2730500"/>
+            <a:ext cx="6515100" cy="1323439"/>
+          </a:xfrm>
+          <a:prstGeom prst="rect">
+            <a:avLst/>
+          </a:prstGeom>
+          <a:noFill/>
+        </p:spPr>
+        <p:txBody>
+          <a:bodyPr wrap="square" rtlCol="0">
+            <a:spAutoFit/>
+          </a:bodyPr>
+          <a:lstStyle/>
+          <a:p>
+            <a:pPr algn="ctr"/>
+            <a:r>
+              <a:rPr lang="en-US" altLang="ko-KR" sz="8000" dirty="0" smtClean="0">
+                <a:solidFill>
+                  <a:srgbClr val="F9FCFD"/>
+                </a:solidFill>
+                <a:latin typeface="Arial Black" panose="020B0A04020102020204" pitchFamily="34" charset="0"/>
+              </a:rPr>
+              <a:t>Q &amp; A</a:t>
+            </a:r>
+            <a:endParaRPr lang="ko-KR" altLang="en-US" sz="8000" dirty="0">
+              <a:solidFill>
+                <a:srgbClr val="F9FCFD"/>
+              </a:solidFill>
+              <a:latin typeface="Arial Black" panose="020B0A04020102020204" pitchFamily="34" charset="0"/>
+            </a:endParaRPr>
+          </a:p>
+        </p:txBody>
+      </p:sp>
+    </p:spTree>
+    <p:extLst>
+      <p:ext uri="{BB962C8B-B14F-4D97-AF65-F5344CB8AC3E}">
+        <p14:creationId xmlns:p14="http://schemas.microsoft.com/office/powerpoint/2010/main" val="213072866"/>
+      </p:ext>
+    </p:extLst>
+  </p:cSld>
+  <p:clrMapOvr>
+    <a:masterClrMapping/>
+  </p:clrMapOvr>
+  <p:timing>
+    <p:tnLst>
+      <p:par>
+        <p:cTn id="1" dur="indefinite" restart="never" nodeType="tmRoot"/>
+      </p:par>
+    </p:tnLst>
+  </p:timing>
+</p:sld>
+</file>
+
+<file path=ppt/slides/slide21.xml><?xml version="1.0" encoding="utf-8"?>
 <p:sld xmlns:a="http://schemas.openxmlformats.org/drawingml/2006/main" xmlns:r="http://schemas.openxmlformats.org/officeDocument/2006/relationships" xmlns:p="http://schemas.openxmlformats.org/presentationml/2006/main">
   <p:cSld>
     <p:bg>
@@ -3909,8 +5210,8 @@
         </p:nvSpPr>
         <p:spPr>
           <a:xfrm>
-            <a:off x="2444263" y="1960684"/>
-            <a:ext cx="3789484" cy="1107996"/>
+            <a:off x="2444262" y="1960684"/>
+            <a:ext cx="4519245" cy="1107996"/>
           </a:xfrm>
           <a:prstGeom prst="rect">
             <a:avLst/>
@@ -3924,14 +5225,14 @@
           <a:lstStyle/>
           <a:p>
             <a:r>
-              <a:rPr lang="ko-KR" altLang="en-US" sz="6600" dirty="0" err="1" smtClean="0">
+              <a:rPr lang="ko-KR" altLang="en-US" sz="6600" dirty="0" smtClean="0">
                 <a:solidFill>
                   <a:schemeClr val="bg1"/>
                 </a:solidFill>
                 <a:latin typeface="궁서" panose="02030600000101010101" pitchFamily="18" charset="-127"/>
                 <a:ea typeface="궁서" panose="02030600000101010101" pitchFamily="18" charset="-127"/>
               </a:rPr>
-              <a:t>감사합니</a:t>
+              <a:t>감사합니다</a:t>
             </a:r>
             <a:endParaRPr lang="ko-KR" altLang="en-US" sz="6600" dirty="0">
               <a:solidFill>
@@ -3986,48 +5287,6 @@
           </a:prstGeom>
         </p:spPr>
       </p:pic>
-      <p:sp>
-        <p:nvSpPr>
-          <p:cNvPr id="6" name="TextBox 5"/>
-          <p:cNvSpPr txBox="1"/>
-          <p:nvPr/>
-        </p:nvSpPr>
-        <p:spPr>
-          <a:xfrm>
-            <a:off x="2444263" y="2998176"/>
-            <a:ext cx="1562098" cy="1107996"/>
-          </a:xfrm>
-          <a:prstGeom prst="rect">
-            <a:avLst/>
-          </a:prstGeom>
-          <a:noFill/>
-        </p:spPr>
-        <p:txBody>
-          <a:bodyPr wrap="square" rtlCol="0">
-            <a:spAutoFit/>
-          </a:bodyPr>
-          <a:lstStyle/>
-          <a:p>
-            <a:r>
-              <a:rPr lang="ko-KR" altLang="en-US" sz="6600" dirty="0" smtClean="0">
-                <a:solidFill>
-                  <a:schemeClr val="bg1"/>
-                </a:solidFill>
-                <a:latin typeface="궁서" panose="02030600000101010101" pitchFamily="18" charset="-127"/>
-                <a:ea typeface="궁서" panose="02030600000101010101" pitchFamily="18" charset="-127"/>
-              </a:rPr>
-              <a:t>다</a:t>
-            </a:r>
-            <a:endParaRPr lang="ko-KR" altLang="en-US" sz="6600" dirty="0">
-              <a:solidFill>
-                <a:schemeClr val="bg1"/>
-              </a:solidFill>
-              <a:latin typeface="궁서" panose="02030600000101010101" pitchFamily="18" charset="-127"/>
-              <a:ea typeface="궁서" panose="02030600000101010101" pitchFamily="18" charset="-127"/>
-            </a:endParaRPr>
-          </a:p>
-        </p:txBody>
-      </p:sp>
     </p:spTree>
     <p:extLst>
       <p:ext uri="{BB962C8B-B14F-4D97-AF65-F5344CB8AC3E}">
@@ -4059,7 +5318,7 @@
                             </p:stCondLst>
                             <p:childTnLst>
                               <p:par>
-                                <p:cTn id="5" presetID="45" presetClass="entr" presetSubtype="0" fill="hold" nodeType="clickEffect">
+                                <p:cTn id="5" presetID="45" presetClass="entr" presetSubtype="0" fill="hold" grpId="0" nodeType="clickEffect">
                                   <p:stCondLst>
                                     <p:cond delay="0"/>
                                   </p:stCondLst>
@@ -4067,6 +5326,87 @@
                                     <p:set>
                                       <p:cBhvr>
                                         <p:cTn id="6" dur="1" fill="hold">
+                                          <p:stCondLst>
+                                            <p:cond delay="0"/>
+                                          </p:stCondLst>
+                                        </p:cTn>
+                                        <p:tgtEl>
+                                          <p:spTgt spid="2"/>
+                                        </p:tgtEl>
+                                        <p:attrNameLst>
+                                          <p:attrName>style.visibility</p:attrName>
+                                        </p:attrNameLst>
+                                      </p:cBhvr>
+                                      <p:to>
+                                        <p:strVal val="visible"/>
+                                      </p:to>
+                                    </p:set>
+                                    <p:animEffect transition="in" filter="fade">
+                                      <p:cBhvr>
+                                        <p:cTn id="7" dur="2000"/>
+                                        <p:tgtEl>
+                                          <p:spTgt spid="2"/>
+                                        </p:tgtEl>
+                                      </p:cBhvr>
+                                    </p:animEffect>
+                                    <p:anim calcmode="lin" valueType="num">
+                                      <p:cBhvr>
+                                        <p:cTn id="8" dur="2000" fill="hold"/>
+                                        <p:tgtEl>
+                                          <p:spTgt spid="2"/>
+                                        </p:tgtEl>
+                                        <p:attrNameLst>
+                                          <p:attrName>ppt_w</p:attrName>
+                                        </p:attrNameLst>
+                                      </p:cBhvr>
+                                      <p:tavLst>
+                                        <p:tav tm="0" fmla="#ppt_w*sin(2.5*pi*$)">
+                                          <p:val>
+                                            <p:fltVal val="0"/>
+                                          </p:val>
+                                        </p:tav>
+                                        <p:tav tm="100000">
+                                          <p:val>
+                                            <p:fltVal val="1"/>
+                                          </p:val>
+                                        </p:tav>
+                                      </p:tavLst>
+                                    </p:anim>
+                                    <p:anim calcmode="lin" valueType="num">
+                                      <p:cBhvr>
+                                        <p:cTn id="9" dur="2000" fill="hold"/>
+                                        <p:tgtEl>
+                                          <p:spTgt spid="2"/>
+                                        </p:tgtEl>
+                                        <p:attrNameLst>
+                                          <p:attrName>ppt_h</p:attrName>
+                                        </p:attrNameLst>
+                                      </p:cBhvr>
+                                      <p:tavLst>
+                                        <p:tav tm="0">
+                                          <p:val>
+                                            <p:strVal val="#ppt_h"/>
+                                          </p:val>
+                                        </p:tav>
+                                        <p:tav tm="100000">
+                                          <p:val>
+                                            <p:strVal val="#ppt_h"/>
+                                          </p:val>
+                                        </p:tav>
+                                      </p:tavLst>
+                                    </p:anim>
+                                  </p:childTnLst>
+                                </p:cTn>
+                              </p:par>
+                              <p:par>
+                                <p:cTn id="10" presetID="45" presetClass="entr" presetSubtype="0" fill="hold" nodeType="withEffect">
+                                  <p:stCondLst>
+                                    <p:cond delay="0"/>
+                                  </p:stCondLst>
+                                  <p:childTnLst>
+                                    <p:set>
+                                      <p:cBhvr>
+                                        <p:cTn id="11" dur="1" fill="hold">
                                           <p:stCondLst>
                                             <p:cond delay="0"/>
                                           </p:stCondLst>
@@ -4084,7 +5424,7 @@
                                     </p:set>
                                     <p:animEffect transition="in" filter="fade">
                                       <p:cBhvr>
-                                        <p:cTn id="7" dur="2000"/>
+                                        <p:cTn id="12" dur="2000"/>
                                         <p:tgtEl>
                                           <p:spTgt spid="4"/>
                                         </p:tgtEl>
@@ -4092,7 +5432,7 @@
                                     </p:animEffect>
                                     <p:anim calcmode="lin" valueType="num">
                                       <p:cBhvr>
-                                        <p:cTn id="8" dur="2000" fill="hold"/>
+                                        <p:cTn id="13" dur="2000" fill="hold"/>
                                         <p:tgtEl>
                                           <p:spTgt spid="4"/>
                                         </p:tgtEl>
@@ -4115,90 +5455,9 @@
                                     </p:anim>
                                     <p:anim calcmode="lin" valueType="num">
                                       <p:cBhvr>
-                                        <p:cTn id="9" dur="2000" fill="hold"/>
+                                        <p:cTn id="14" dur="2000" fill="hold"/>
                                         <p:tgtEl>
                                           <p:spTgt spid="4"/>
-                                        </p:tgtEl>
-                                        <p:attrNameLst>
-                                          <p:attrName>ppt_h</p:attrName>
-                                        </p:attrNameLst>
-                                      </p:cBhvr>
-                                      <p:tavLst>
-                                        <p:tav tm="0">
-                                          <p:val>
-                                            <p:strVal val="#ppt_h"/>
-                                          </p:val>
-                                        </p:tav>
-                                        <p:tav tm="100000">
-                                          <p:val>
-                                            <p:strVal val="#ppt_h"/>
-                                          </p:val>
-                                        </p:tav>
-                                      </p:tavLst>
-                                    </p:anim>
-                                  </p:childTnLst>
-                                </p:cTn>
-                              </p:par>
-                              <p:par>
-                                <p:cTn id="10" presetID="45" presetClass="entr" presetSubtype="0" fill="hold" grpId="0" nodeType="withEffect">
-                                  <p:stCondLst>
-                                    <p:cond delay="0"/>
-                                  </p:stCondLst>
-                                  <p:childTnLst>
-                                    <p:set>
-                                      <p:cBhvr>
-                                        <p:cTn id="11" dur="1" fill="hold">
-                                          <p:stCondLst>
-                                            <p:cond delay="0"/>
-                                          </p:stCondLst>
-                                        </p:cTn>
-                                        <p:tgtEl>
-                                          <p:spTgt spid="6"/>
-                                        </p:tgtEl>
-                                        <p:attrNameLst>
-                                          <p:attrName>style.visibility</p:attrName>
-                                        </p:attrNameLst>
-                                      </p:cBhvr>
-                                      <p:to>
-                                        <p:strVal val="visible"/>
-                                      </p:to>
-                                    </p:set>
-                                    <p:animEffect transition="in" filter="fade">
-                                      <p:cBhvr>
-                                        <p:cTn id="12" dur="2000"/>
-                                        <p:tgtEl>
-                                          <p:spTgt spid="6"/>
-                                        </p:tgtEl>
-                                      </p:cBhvr>
-                                    </p:animEffect>
-                                    <p:anim calcmode="lin" valueType="num">
-                                      <p:cBhvr>
-                                        <p:cTn id="13" dur="2000" fill="hold"/>
-                                        <p:tgtEl>
-                                          <p:spTgt spid="6"/>
-                                        </p:tgtEl>
-                                        <p:attrNameLst>
-                                          <p:attrName>ppt_w</p:attrName>
-                                        </p:attrNameLst>
-                                      </p:cBhvr>
-                                      <p:tavLst>
-                                        <p:tav tm="0" fmla="#ppt_w*sin(2.5*pi*$)">
-                                          <p:val>
-                                            <p:fltVal val="0"/>
-                                          </p:val>
-                                        </p:tav>
-                                        <p:tav tm="100000">
-                                          <p:val>
-                                            <p:fltVal val="1"/>
-                                          </p:val>
-                                        </p:tav>
-                                      </p:tavLst>
-                                    </p:anim>
-                                    <p:anim calcmode="lin" valueType="num">
-                                      <p:cBhvr>
-                                        <p:cTn id="14" dur="2000" fill="hold"/>
-                                        <p:tgtEl>
-                                          <p:spTgt spid="6"/>
                                         </p:tgtEl>
                                         <p:attrNameLst>
                                           <p:attrName>ppt_h</p:attrName>
@@ -4248,790 +5507,8 @@
       </p:par>
     </p:tnLst>
     <p:bldLst>
-      <p:bldP spid="6" grpId="0"/>
+      <p:bldP spid="2" grpId="0"/>
     </p:bldLst>
-  </p:timing>
-</p:sld>
-</file>
-
-<file path=ppt/slides/slide2.xml><?xml version="1.0" encoding="utf-8"?>
-<p:sld xmlns:a="http://schemas.openxmlformats.org/drawingml/2006/main" xmlns:r="http://schemas.openxmlformats.org/officeDocument/2006/relationships" xmlns:p="http://schemas.openxmlformats.org/presentationml/2006/main">
-  <p:cSld>
-    <p:bg>
-      <p:bgPr>
-        <a:solidFill>
-          <a:schemeClr val="bg1">
-            <a:lumMod val="95000"/>
-          </a:schemeClr>
-        </a:solidFill>
-        <a:effectLst/>
-      </p:bgPr>
-    </p:bg>
-    <p:spTree>
-      <p:nvGrpSpPr>
-        <p:cNvPr id="1" name=""/>
-        <p:cNvGrpSpPr/>
-        <p:nvPr/>
-      </p:nvGrpSpPr>
-      <p:grpSpPr>
-        <a:xfrm>
-          <a:off x="0" y="0"/>
-          <a:ext cx="0" cy="0"/>
-          <a:chOff x="0" y="0"/>
-          <a:chExt cx="0" cy="0"/>
-        </a:xfrm>
-      </p:grpSpPr>
-      <p:cxnSp>
-        <p:nvCxnSpPr>
-          <p:cNvPr id="3" name="직선 연결선 2">
-            <a:extLst>
-              <a:ext uri="{FF2B5EF4-FFF2-40B4-BE49-F238E27FC236}">
-                <a16:creationId xmlns:a16="http://schemas.microsoft.com/office/drawing/2014/main" id="{695F5617-8CB3-2C90-D484-7E78AF629F77}"/>
-              </a:ext>
-            </a:extLst>
-          </p:cNvPr>
-          <p:cNvCxnSpPr/>
-          <p:nvPr/>
-        </p:nvCxnSpPr>
-        <p:spPr>
-          <a:xfrm>
-            <a:off x="144378" y="176464"/>
-            <a:ext cx="12060000" cy="0"/>
-          </a:xfrm>
-          <a:prstGeom prst="line">
-            <a:avLst/>
-          </a:prstGeom>
-          <a:ln w="76200">
-            <a:solidFill>
-              <a:schemeClr val="accent3">
-                <a:lumMod val="75000"/>
-              </a:schemeClr>
-            </a:solidFill>
-          </a:ln>
-        </p:spPr>
-        <p:style>
-          <a:lnRef idx="1">
-            <a:schemeClr val="accent1"/>
-          </a:lnRef>
-          <a:fillRef idx="0">
-            <a:schemeClr val="accent1"/>
-          </a:fillRef>
-          <a:effectRef idx="0">
-            <a:schemeClr val="accent1"/>
-          </a:effectRef>
-          <a:fontRef idx="minor">
-            <a:schemeClr val="tx1"/>
-          </a:fontRef>
-        </p:style>
-      </p:cxnSp>
-      <p:cxnSp>
-        <p:nvCxnSpPr>
-          <p:cNvPr id="4" name="직선 연결선 3">
-            <a:extLst>
-              <a:ext uri="{FF2B5EF4-FFF2-40B4-BE49-F238E27FC236}">
-                <a16:creationId xmlns:a16="http://schemas.microsoft.com/office/drawing/2014/main" id="{8B4A3B93-1F0C-9A0F-F5F7-F4FD3957F3AF}"/>
-              </a:ext>
-            </a:extLst>
-          </p:cNvPr>
-          <p:cNvCxnSpPr/>
-          <p:nvPr/>
-        </p:nvCxnSpPr>
-        <p:spPr>
-          <a:xfrm>
-            <a:off x="144378" y="6705601"/>
-            <a:ext cx="12060000" cy="0"/>
-          </a:xfrm>
-          <a:prstGeom prst="line">
-            <a:avLst/>
-          </a:prstGeom>
-          <a:ln w="3175">
-            <a:solidFill>
-              <a:schemeClr val="accent3">
-                <a:lumMod val="75000"/>
-              </a:schemeClr>
-            </a:solidFill>
-          </a:ln>
-        </p:spPr>
-        <p:style>
-          <a:lnRef idx="1">
-            <a:schemeClr val="accent1"/>
-          </a:lnRef>
-          <a:fillRef idx="0">
-            <a:schemeClr val="accent1"/>
-          </a:fillRef>
-          <a:effectRef idx="0">
-            <a:schemeClr val="accent1"/>
-          </a:effectRef>
-          <a:fontRef idx="minor">
-            <a:schemeClr val="tx1"/>
-          </a:fontRef>
-        </p:style>
-      </p:cxnSp>
-      <p:sp>
-        <p:nvSpPr>
-          <p:cNvPr id="5" name="TextBox 4">
-            <a:extLst>
-              <a:ext uri="{FF2B5EF4-FFF2-40B4-BE49-F238E27FC236}">
-                <a16:creationId xmlns:a16="http://schemas.microsoft.com/office/drawing/2014/main" id="{B748DE9C-B5AD-BAA4-4EBD-53FA1916E9A2}"/>
-              </a:ext>
-            </a:extLst>
-          </p:cNvPr>
-          <p:cNvSpPr txBox="1"/>
-          <p:nvPr/>
-        </p:nvSpPr>
-        <p:spPr>
-          <a:xfrm>
-            <a:off x="1229707" y="721892"/>
-            <a:ext cx="982961" cy="646331"/>
-          </a:xfrm>
-          <a:prstGeom prst="rect">
-            <a:avLst/>
-          </a:prstGeom>
-          <a:noFill/>
-        </p:spPr>
-        <p:txBody>
-          <a:bodyPr wrap="none" rtlCol="0">
-            <a:spAutoFit/>
-          </a:bodyPr>
-          <a:lstStyle/>
-          <a:p>
-            <a:r>
-              <a:rPr lang="ko-KR" altLang="en-US" sz="3600" b="1" dirty="0">
-                <a:solidFill>
-                  <a:schemeClr val="accent1"/>
-                </a:solidFill>
-                <a:latin typeface="+mj-ea"/>
-                <a:ea typeface="+mj-ea"/>
-              </a:rPr>
-              <a:t>목차</a:t>
-            </a:r>
-          </a:p>
-        </p:txBody>
-      </p:sp>
-      <p:sp>
-        <p:nvSpPr>
-          <p:cNvPr id="7" name="TextBox 6">
-            <a:extLst>
-              <a:ext uri="{FF2B5EF4-FFF2-40B4-BE49-F238E27FC236}">
-                <a16:creationId xmlns:a16="http://schemas.microsoft.com/office/drawing/2014/main" id="{CE308183-DB54-F711-9B69-C8C5752AF7AF}"/>
-              </a:ext>
-            </a:extLst>
-          </p:cNvPr>
-          <p:cNvSpPr txBox="1"/>
-          <p:nvPr/>
-        </p:nvSpPr>
-        <p:spPr>
-          <a:xfrm>
-            <a:off x="1893115" y="2357652"/>
-            <a:ext cx="304892" cy="400110"/>
-          </a:xfrm>
-          <a:prstGeom prst="rect">
-            <a:avLst/>
-          </a:prstGeom>
-          <a:noFill/>
-        </p:spPr>
-        <p:txBody>
-          <a:bodyPr wrap="none" rtlCol="0">
-            <a:spAutoFit/>
-          </a:bodyPr>
-          <a:lstStyle/>
-          <a:p>
-            <a:r>
-              <a:rPr lang="en-US" altLang="ko-KR" sz="2000" b="1" dirty="0">
-                <a:solidFill>
-                  <a:schemeClr val="accent1"/>
-                </a:solidFill>
-              </a:rPr>
-              <a:t>1</a:t>
-            </a:r>
-            <a:endParaRPr lang="ko-KR" altLang="en-US" sz="2000" b="1" dirty="0">
-              <a:solidFill>
-                <a:schemeClr val="accent1"/>
-              </a:solidFill>
-            </a:endParaRPr>
-          </a:p>
-        </p:txBody>
-      </p:sp>
-      <p:sp>
-        <p:nvSpPr>
-          <p:cNvPr id="8" name="TextBox 7">
-            <a:extLst>
-              <a:ext uri="{FF2B5EF4-FFF2-40B4-BE49-F238E27FC236}">
-                <a16:creationId xmlns:a16="http://schemas.microsoft.com/office/drawing/2014/main" id="{BC5F8E78-68AC-B048-5336-EE835D4169E6}"/>
-              </a:ext>
-            </a:extLst>
-          </p:cNvPr>
-          <p:cNvSpPr txBox="1"/>
-          <p:nvPr/>
-        </p:nvSpPr>
-        <p:spPr>
-          <a:xfrm>
-            <a:off x="2585007" y="2300644"/>
-            <a:ext cx="2196435" cy="523220"/>
-          </a:xfrm>
-          <a:prstGeom prst="rect">
-            <a:avLst/>
-          </a:prstGeom>
-          <a:noFill/>
-        </p:spPr>
-        <p:txBody>
-          <a:bodyPr wrap="none" rtlCol="0">
-            <a:spAutoFit/>
-          </a:bodyPr>
-          <a:lstStyle/>
-          <a:p>
-            <a:r>
-              <a:rPr lang="ko-KR" altLang="en-US" sz="2800" spc="-300" dirty="0" smtClean="0">
-                <a:solidFill>
-                  <a:schemeClr val="accent1"/>
-                </a:solidFill>
-                <a:latin typeface="+mj-ea"/>
-                <a:ea typeface="+mj-ea"/>
-              </a:rPr>
-              <a:t>프로젝트 목적</a:t>
-            </a:r>
-            <a:endParaRPr lang="ko-KR" altLang="en-US" sz="2800" spc="-300" dirty="0">
-              <a:solidFill>
-                <a:schemeClr val="accent1"/>
-              </a:solidFill>
-              <a:latin typeface="+mj-ea"/>
-              <a:ea typeface="+mj-ea"/>
-            </a:endParaRPr>
-          </a:p>
-        </p:txBody>
-      </p:sp>
-      <p:sp>
-        <p:nvSpPr>
-          <p:cNvPr id="9" name="TextBox 8">
-            <a:extLst>
-              <a:ext uri="{FF2B5EF4-FFF2-40B4-BE49-F238E27FC236}">
-                <a16:creationId xmlns:a16="http://schemas.microsoft.com/office/drawing/2014/main" id="{313F5BEB-A29E-EC98-4681-67E53CB0B3C2}"/>
-              </a:ext>
-            </a:extLst>
-          </p:cNvPr>
-          <p:cNvSpPr txBox="1"/>
-          <p:nvPr/>
-        </p:nvSpPr>
-        <p:spPr>
-          <a:xfrm>
-            <a:off x="6190856" y="2362199"/>
-            <a:ext cx="341760" cy="400110"/>
-          </a:xfrm>
-          <a:prstGeom prst="rect">
-            <a:avLst/>
-          </a:prstGeom>
-          <a:noFill/>
-        </p:spPr>
-        <p:txBody>
-          <a:bodyPr wrap="none" rtlCol="0">
-            <a:spAutoFit/>
-          </a:bodyPr>
-          <a:lstStyle/>
-          <a:p>
-            <a:r>
-              <a:rPr lang="en-US" altLang="ko-KR" sz="2000" b="1" dirty="0">
-                <a:solidFill>
-                  <a:schemeClr val="accent1"/>
-                </a:solidFill>
-              </a:rPr>
-              <a:t>2</a:t>
-            </a:r>
-            <a:endParaRPr lang="ko-KR" altLang="en-US" sz="2000" b="1" dirty="0">
-              <a:solidFill>
-                <a:schemeClr val="accent1"/>
-              </a:solidFill>
-            </a:endParaRPr>
-          </a:p>
-        </p:txBody>
-      </p:sp>
-      <p:sp>
-        <p:nvSpPr>
-          <p:cNvPr id="10" name="TextBox 9">
-            <a:extLst>
-              <a:ext uri="{FF2B5EF4-FFF2-40B4-BE49-F238E27FC236}">
-                <a16:creationId xmlns:a16="http://schemas.microsoft.com/office/drawing/2014/main" id="{15EF1453-BC33-8329-E803-35808F5E93AA}"/>
-              </a:ext>
-            </a:extLst>
-          </p:cNvPr>
-          <p:cNvSpPr txBox="1"/>
-          <p:nvPr/>
-        </p:nvSpPr>
-        <p:spPr>
-          <a:xfrm>
-            <a:off x="6919616" y="2300644"/>
-            <a:ext cx="1875835" cy="523220"/>
-          </a:xfrm>
-          <a:prstGeom prst="rect">
-            <a:avLst/>
-          </a:prstGeom>
-          <a:noFill/>
-        </p:spPr>
-        <p:txBody>
-          <a:bodyPr wrap="none" rtlCol="0">
-            <a:spAutoFit/>
-          </a:bodyPr>
-          <a:lstStyle/>
-          <a:p>
-            <a:r>
-              <a:rPr lang="ko-KR" altLang="en-US" sz="2800" spc="-300" dirty="0" smtClean="0">
-                <a:solidFill>
-                  <a:schemeClr val="accent1"/>
-                </a:solidFill>
-                <a:latin typeface="+mj-ea"/>
-                <a:ea typeface="+mj-ea"/>
-              </a:rPr>
-              <a:t>데이터 수집</a:t>
-            </a:r>
-            <a:endParaRPr lang="ko-KR" altLang="en-US" sz="2800" spc="-300" dirty="0">
-              <a:solidFill>
-                <a:schemeClr val="accent1"/>
-              </a:solidFill>
-              <a:latin typeface="+mj-ea"/>
-              <a:ea typeface="+mj-ea"/>
-            </a:endParaRPr>
-          </a:p>
-        </p:txBody>
-      </p:sp>
-      <p:sp>
-        <p:nvSpPr>
-          <p:cNvPr id="11" name="TextBox 10">
-            <a:extLst>
-              <a:ext uri="{FF2B5EF4-FFF2-40B4-BE49-F238E27FC236}">
-                <a16:creationId xmlns:a16="http://schemas.microsoft.com/office/drawing/2014/main" id="{C67FBC02-6717-E326-10F3-EED37C2CE102}"/>
-              </a:ext>
-            </a:extLst>
-          </p:cNvPr>
-          <p:cNvSpPr txBox="1"/>
-          <p:nvPr/>
-        </p:nvSpPr>
-        <p:spPr>
-          <a:xfrm>
-            <a:off x="1849835" y="3472400"/>
-            <a:ext cx="348172" cy="400110"/>
-          </a:xfrm>
-          <a:prstGeom prst="rect">
-            <a:avLst/>
-          </a:prstGeom>
-          <a:noFill/>
-        </p:spPr>
-        <p:txBody>
-          <a:bodyPr wrap="none" rtlCol="0">
-            <a:spAutoFit/>
-          </a:bodyPr>
-          <a:lstStyle/>
-          <a:p>
-            <a:r>
-              <a:rPr lang="en-US" altLang="ko-KR" sz="2000" b="1" dirty="0">
-                <a:solidFill>
-                  <a:schemeClr val="accent1"/>
-                </a:solidFill>
-              </a:rPr>
-              <a:t>3</a:t>
-            </a:r>
-            <a:endParaRPr lang="ko-KR" altLang="en-US" sz="2000" b="1" dirty="0">
-              <a:solidFill>
-                <a:schemeClr val="accent1"/>
-              </a:solidFill>
-            </a:endParaRPr>
-          </a:p>
-        </p:txBody>
-      </p:sp>
-      <p:sp>
-        <p:nvSpPr>
-          <p:cNvPr id="12" name="TextBox 11">
-            <a:extLst>
-              <a:ext uri="{FF2B5EF4-FFF2-40B4-BE49-F238E27FC236}">
-                <a16:creationId xmlns:a16="http://schemas.microsoft.com/office/drawing/2014/main" id="{475A99F0-E26F-49EF-19FA-5DA225DF25D0}"/>
-              </a:ext>
-            </a:extLst>
-          </p:cNvPr>
-          <p:cNvSpPr txBox="1"/>
-          <p:nvPr/>
-        </p:nvSpPr>
-        <p:spPr>
-          <a:xfrm>
-            <a:off x="2621875" y="3406080"/>
-            <a:ext cx="1768497" cy="523220"/>
-          </a:xfrm>
-          <a:prstGeom prst="rect">
-            <a:avLst/>
-          </a:prstGeom>
-          <a:noFill/>
-        </p:spPr>
-        <p:txBody>
-          <a:bodyPr wrap="none" rtlCol="0">
-            <a:spAutoFit/>
-          </a:bodyPr>
-          <a:lstStyle/>
-          <a:p>
-            <a:r>
-              <a:rPr lang="en-US" altLang="ko-KR" sz="2800" spc="-300" dirty="0" smtClean="0">
-                <a:solidFill>
-                  <a:schemeClr val="accent1"/>
-                </a:solidFill>
-                <a:latin typeface="+mj-ea"/>
-                <a:ea typeface="+mj-ea"/>
-              </a:rPr>
-              <a:t>Word Cloud</a:t>
-            </a:r>
-            <a:endParaRPr lang="ko-KR" altLang="en-US" sz="2800" spc="-300" dirty="0">
-              <a:solidFill>
-                <a:schemeClr val="accent1"/>
-              </a:solidFill>
-              <a:latin typeface="+mj-ea"/>
-              <a:ea typeface="+mj-ea"/>
-            </a:endParaRPr>
-          </a:p>
-        </p:txBody>
-      </p:sp>
-      <p:sp>
-        <p:nvSpPr>
-          <p:cNvPr id="13" name="TextBox 12">
-            <a:extLst>
-              <a:ext uri="{FF2B5EF4-FFF2-40B4-BE49-F238E27FC236}">
-                <a16:creationId xmlns:a16="http://schemas.microsoft.com/office/drawing/2014/main" id="{CEC5CD14-4594-1730-18CF-710701846C6F}"/>
-              </a:ext>
-            </a:extLst>
-          </p:cNvPr>
-          <p:cNvSpPr txBox="1"/>
-          <p:nvPr/>
-        </p:nvSpPr>
-        <p:spPr>
-          <a:xfrm>
-            <a:off x="6190856" y="3472006"/>
-            <a:ext cx="352982" cy="400110"/>
-          </a:xfrm>
-          <a:prstGeom prst="rect">
-            <a:avLst/>
-          </a:prstGeom>
-          <a:noFill/>
-        </p:spPr>
-        <p:txBody>
-          <a:bodyPr wrap="none" rtlCol="0">
-            <a:spAutoFit/>
-          </a:bodyPr>
-          <a:lstStyle/>
-          <a:p>
-            <a:r>
-              <a:rPr lang="en-US" altLang="ko-KR" sz="2000" b="1" dirty="0">
-                <a:solidFill>
-                  <a:schemeClr val="accent1"/>
-                </a:solidFill>
-              </a:rPr>
-              <a:t>4</a:t>
-            </a:r>
-            <a:endParaRPr lang="ko-KR" altLang="en-US" sz="2000" b="1" dirty="0">
-              <a:solidFill>
-                <a:schemeClr val="accent1"/>
-              </a:solidFill>
-            </a:endParaRPr>
-          </a:p>
-        </p:txBody>
-      </p:sp>
-      <p:sp>
-        <p:nvSpPr>
-          <p:cNvPr id="14" name="TextBox 13">
-            <a:extLst>
-              <a:ext uri="{FF2B5EF4-FFF2-40B4-BE49-F238E27FC236}">
-                <a16:creationId xmlns:a16="http://schemas.microsoft.com/office/drawing/2014/main" id="{E4BB9965-4F0D-8E0C-4C5A-019C795529F3}"/>
-              </a:ext>
-            </a:extLst>
-          </p:cNvPr>
-          <p:cNvSpPr txBox="1"/>
-          <p:nvPr/>
-        </p:nvSpPr>
-        <p:spPr>
-          <a:xfrm>
-            <a:off x="6919616" y="3410451"/>
-            <a:ext cx="1872629" cy="523220"/>
-          </a:xfrm>
-          <a:prstGeom prst="rect">
-            <a:avLst/>
-          </a:prstGeom>
-          <a:noFill/>
-        </p:spPr>
-        <p:txBody>
-          <a:bodyPr wrap="none" rtlCol="0">
-            <a:spAutoFit/>
-          </a:bodyPr>
-          <a:lstStyle/>
-          <a:p>
-            <a:r>
-              <a:rPr lang="en-US" altLang="ko-KR" sz="2800" spc="-300" dirty="0" smtClean="0">
-                <a:solidFill>
-                  <a:schemeClr val="accent1"/>
-                </a:solidFill>
-                <a:latin typeface="+mj-ea"/>
-                <a:ea typeface="+mj-ea"/>
-              </a:rPr>
-              <a:t>Word2Vector</a:t>
-            </a:r>
-            <a:endParaRPr lang="ko-KR" altLang="en-US" sz="2800" spc="-300" dirty="0">
-              <a:solidFill>
-                <a:schemeClr val="accent1"/>
-              </a:solidFill>
-              <a:latin typeface="+mj-ea"/>
-              <a:ea typeface="+mj-ea"/>
-            </a:endParaRPr>
-          </a:p>
-        </p:txBody>
-      </p:sp>
-      <p:sp>
-        <p:nvSpPr>
-          <p:cNvPr id="15" name="TextBox 14">
-            <a:extLst>
-              <a:ext uri="{FF2B5EF4-FFF2-40B4-BE49-F238E27FC236}">
-                <a16:creationId xmlns:a16="http://schemas.microsoft.com/office/drawing/2014/main" id="{627B173C-BF4B-5D6B-514A-71779E736CDB}"/>
-              </a:ext>
-            </a:extLst>
-          </p:cNvPr>
-          <p:cNvSpPr txBox="1"/>
-          <p:nvPr/>
-        </p:nvSpPr>
-        <p:spPr>
-          <a:xfrm>
-            <a:off x="2585007" y="986190"/>
-            <a:ext cx="1156086" cy="369332"/>
-          </a:xfrm>
-          <a:prstGeom prst="rect">
-            <a:avLst/>
-          </a:prstGeom>
-          <a:noFill/>
-        </p:spPr>
-        <p:txBody>
-          <a:bodyPr wrap="none" rtlCol="0">
-            <a:spAutoFit/>
-          </a:bodyPr>
-          <a:lstStyle/>
-          <a:p>
-            <a:r>
-              <a:rPr lang="en-US" altLang="ko-KR" dirty="0" smtClean="0">
-                <a:solidFill>
-                  <a:schemeClr val="accent1"/>
-                </a:solidFill>
-                <a:latin typeface="+mn-ea"/>
-              </a:rPr>
-              <a:t>Contents</a:t>
-            </a:r>
-            <a:endParaRPr lang="ko-KR" altLang="en-US" dirty="0">
-              <a:solidFill>
-                <a:schemeClr val="accent1"/>
-              </a:solidFill>
-              <a:latin typeface="+mn-ea"/>
-            </a:endParaRPr>
-          </a:p>
-        </p:txBody>
-      </p:sp>
-      <p:sp>
-        <p:nvSpPr>
-          <p:cNvPr id="16" name="TextBox 15">
-            <a:extLst>
-              <a:ext uri="{FF2B5EF4-FFF2-40B4-BE49-F238E27FC236}">
-                <a16:creationId xmlns:a16="http://schemas.microsoft.com/office/drawing/2014/main" id="{CEC5CD14-4594-1730-18CF-710701846C6F}"/>
-              </a:ext>
-            </a:extLst>
-          </p:cNvPr>
-          <p:cNvSpPr txBox="1"/>
-          <p:nvPr/>
-        </p:nvSpPr>
-        <p:spPr>
-          <a:xfrm>
-            <a:off x="1849835" y="4531627"/>
-            <a:ext cx="328936" cy="400110"/>
-          </a:xfrm>
-          <a:prstGeom prst="rect">
-            <a:avLst/>
-          </a:prstGeom>
-          <a:noFill/>
-        </p:spPr>
-        <p:txBody>
-          <a:bodyPr wrap="none" rtlCol="0">
-            <a:spAutoFit/>
-          </a:bodyPr>
-          <a:lstStyle/>
-          <a:p>
-            <a:r>
-              <a:rPr lang="en-US" altLang="ko-KR" sz="2000" b="1" dirty="0">
-                <a:solidFill>
-                  <a:schemeClr val="accent1"/>
-                </a:solidFill>
-              </a:rPr>
-              <a:t>5</a:t>
-            </a:r>
-            <a:endParaRPr lang="ko-KR" altLang="en-US" sz="2000" b="1" dirty="0">
-              <a:solidFill>
-                <a:schemeClr val="accent1"/>
-              </a:solidFill>
-            </a:endParaRPr>
-          </a:p>
-        </p:txBody>
-      </p:sp>
-      <p:sp>
-        <p:nvSpPr>
-          <p:cNvPr id="17" name="TextBox 16">
-            <a:extLst>
-              <a:ext uri="{FF2B5EF4-FFF2-40B4-BE49-F238E27FC236}">
-                <a16:creationId xmlns:a16="http://schemas.microsoft.com/office/drawing/2014/main" id="{E4BB9965-4F0D-8E0C-4C5A-019C795529F3}"/>
-              </a:ext>
-            </a:extLst>
-          </p:cNvPr>
-          <p:cNvSpPr txBox="1"/>
-          <p:nvPr/>
-        </p:nvSpPr>
-        <p:spPr>
-          <a:xfrm>
-            <a:off x="2578595" y="4470072"/>
-            <a:ext cx="2108269" cy="523220"/>
-          </a:xfrm>
-          <a:prstGeom prst="rect">
-            <a:avLst/>
-          </a:prstGeom>
-          <a:noFill/>
-        </p:spPr>
-        <p:txBody>
-          <a:bodyPr wrap="none" rtlCol="0">
-            <a:spAutoFit/>
-          </a:bodyPr>
-          <a:lstStyle/>
-          <a:p>
-            <a:r>
-              <a:rPr lang="ko-KR" altLang="en-US" sz="2800" spc="-300" smtClean="0">
-                <a:solidFill>
-                  <a:schemeClr val="accent1"/>
-                </a:solidFill>
-                <a:latin typeface="+mj-ea"/>
-                <a:ea typeface="+mj-ea"/>
-              </a:rPr>
-              <a:t>어플리케이션</a:t>
-            </a:r>
-            <a:endParaRPr lang="ko-KR" altLang="en-US" sz="2800" spc="-300" dirty="0">
-              <a:solidFill>
-                <a:schemeClr val="accent1"/>
-              </a:solidFill>
-              <a:latin typeface="+mj-ea"/>
-              <a:ea typeface="+mj-ea"/>
-            </a:endParaRPr>
-          </a:p>
-        </p:txBody>
-      </p:sp>
-      <p:sp>
-        <p:nvSpPr>
-          <p:cNvPr id="18" name="TextBox 17">
-            <a:extLst>
-              <a:ext uri="{FF2B5EF4-FFF2-40B4-BE49-F238E27FC236}">
-                <a16:creationId xmlns:a16="http://schemas.microsoft.com/office/drawing/2014/main" id="{CEC5CD14-4594-1730-18CF-710701846C6F}"/>
-              </a:ext>
-            </a:extLst>
-          </p:cNvPr>
-          <p:cNvSpPr txBox="1"/>
-          <p:nvPr/>
-        </p:nvSpPr>
-        <p:spPr>
-          <a:xfrm>
-            <a:off x="6190856" y="4470072"/>
-            <a:ext cx="328936" cy="400110"/>
-          </a:xfrm>
-          <a:prstGeom prst="rect">
-            <a:avLst/>
-          </a:prstGeom>
-          <a:noFill/>
-        </p:spPr>
-        <p:txBody>
-          <a:bodyPr wrap="none" rtlCol="0">
-            <a:spAutoFit/>
-          </a:bodyPr>
-          <a:lstStyle/>
-          <a:p>
-            <a:r>
-              <a:rPr lang="en-US" altLang="ko-KR" sz="2000" b="1" dirty="0">
-                <a:solidFill>
-                  <a:schemeClr val="accent1"/>
-                </a:solidFill>
-              </a:rPr>
-              <a:t>5</a:t>
-            </a:r>
-            <a:endParaRPr lang="ko-KR" altLang="en-US" sz="2000" b="1" dirty="0">
-              <a:solidFill>
-                <a:schemeClr val="accent1"/>
-              </a:solidFill>
-            </a:endParaRPr>
-          </a:p>
-        </p:txBody>
-      </p:sp>
-      <p:sp>
-        <p:nvSpPr>
-          <p:cNvPr id="19" name="TextBox 18">
-            <a:extLst>
-              <a:ext uri="{FF2B5EF4-FFF2-40B4-BE49-F238E27FC236}">
-                <a16:creationId xmlns:a16="http://schemas.microsoft.com/office/drawing/2014/main" id="{E4BB9965-4F0D-8E0C-4C5A-019C795529F3}"/>
-              </a:ext>
-            </a:extLst>
-          </p:cNvPr>
-          <p:cNvSpPr txBox="1"/>
-          <p:nvPr/>
-        </p:nvSpPr>
-        <p:spPr>
-          <a:xfrm>
-            <a:off x="6919616" y="4408517"/>
-            <a:ext cx="2592376" cy="523220"/>
-          </a:xfrm>
-          <a:prstGeom prst="rect">
-            <a:avLst/>
-          </a:prstGeom>
-          <a:noFill/>
-        </p:spPr>
-        <p:txBody>
-          <a:bodyPr wrap="none" rtlCol="0">
-            <a:spAutoFit/>
-          </a:bodyPr>
-          <a:lstStyle/>
-          <a:p>
-            <a:r>
-              <a:rPr lang="ko-KR" altLang="en-US" sz="2800" spc="-300" dirty="0" err="1" smtClean="0">
-                <a:solidFill>
-                  <a:schemeClr val="accent1"/>
-                </a:solidFill>
-                <a:latin typeface="+mj-ea"/>
-                <a:ea typeface="+mj-ea"/>
-              </a:rPr>
-              <a:t>느낀점</a:t>
-            </a:r>
-            <a:r>
-              <a:rPr lang="ko-KR" altLang="en-US" sz="2800" spc="-300" dirty="0" smtClean="0">
-                <a:solidFill>
-                  <a:schemeClr val="accent1"/>
-                </a:solidFill>
-                <a:latin typeface="+mj-ea"/>
-                <a:ea typeface="+mj-ea"/>
-              </a:rPr>
-              <a:t> 및 개선점</a:t>
-            </a:r>
-            <a:endParaRPr lang="ko-KR" altLang="en-US" sz="2800" spc="-300" dirty="0">
-              <a:solidFill>
-                <a:schemeClr val="accent1"/>
-              </a:solidFill>
-              <a:latin typeface="+mj-ea"/>
-              <a:ea typeface="+mj-ea"/>
-            </a:endParaRPr>
-          </a:p>
-        </p:txBody>
-      </p:sp>
-    </p:spTree>
-    <p:extLst>
-      <p:ext uri="{BB962C8B-B14F-4D97-AF65-F5344CB8AC3E}">
-        <p14:creationId xmlns:p14="http://schemas.microsoft.com/office/powerpoint/2010/main" val="4207314371"/>
-      </p:ext>
-    </p:extLst>
-  </p:cSld>
-  <p:clrMapOvr>
-    <a:masterClrMapping/>
-  </p:clrMapOvr>
-  <p:timing>
-    <p:tnLst>
-      <p:par>
-        <p:cTn id="1" dur="indefinite" restart="never" nodeType="tmRoot"/>
-      </p:par>
-    </p:tnLst>
   </p:timing>
 </p:sld>
 </file>
@@ -5144,7 +5621,7 @@
           <p:spPr>
             <a:xfrm>
               <a:off x="6817895" y="3350782"/>
-              <a:ext cx="3177473" cy="830997"/>
+              <a:ext cx="3743332" cy="830997"/>
             </a:xfrm>
             <a:prstGeom prst="rect">
               <a:avLst/>
@@ -5164,7 +5641,7 @@
                   </a:solidFill>
                   <a:latin typeface="+mn-ea"/>
                 </a:rPr>
-                <a:t>데이터 수집</a:t>
+                <a:t>프로젝트 목적</a:t>
               </a:r>
               <a:endParaRPr lang="ko-KR" altLang="en-US" sz="4800" b="1" spc="-300" dirty="0">
                 <a:solidFill>
@@ -5285,6 +5762,311 @@
 <file path=ppt/slides/slide4.xml><?xml version="1.0" encoding="utf-8"?>
 <p:sld xmlns:a="http://schemas.openxmlformats.org/drawingml/2006/main" xmlns:r="http://schemas.openxmlformats.org/officeDocument/2006/relationships" xmlns:p="http://schemas.openxmlformats.org/presentationml/2006/main">
   <p:cSld>
+    <p:spTree>
+      <p:nvGrpSpPr>
+        <p:cNvPr id="1" name=""/>
+        <p:cNvGrpSpPr/>
+        <p:nvPr/>
+      </p:nvGrpSpPr>
+      <p:grpSpPr>
+        <a:xfrm>
+          <a:off x="0" y="0"/>
+          <a:ext cx="0" cy="0"/>
+          <a:chOff x="0" y="0"/>
+          <a:chExt cx="0" cy="0"/>
+        </a:xfrm>
+      </p:grpSpPr>
+      <p:cxnSp>
+        <p:nvCxnSpPr>
+          <p:cNvPr id="3" name="직선 연결선 2">
+            <a:extLst>
+              <a:ext uri="{FF2B5EF4-FFF2-40B4-BE49-F238E27FC236}">
+                <a16:creationId xmlns:a16="http://schemas.microsoft.com/office/drawing/2014/main" id="{E3FBA607-E7FC-B7F8-2868-BC448F31F790}"/>
+              </a:ext>
+            </a:extLst>
+          </p:cNvPr>
+          <p:cNvCxnSpPr/>
+          <p:nvPr/>
+        </p:nvCxnSpPr>
+        <p:spPr>
+          <a:xfrm>
+            <a:off x="144378" y="160422"/>
+            <a:ext cx="12060000" cy="0"/>
+          </a:xfrm>
+          <a:prstGeom prst="line">
+            <a:avLst/>
+          </a:prstGeom>
+          <a:ln w="76200">
+            <a:solidFill>
+              <a:schemeClr val="accent1"/>
+            </a:solidFill>
+          </a:ln>
+        </p:spPr>
+        <p:style>
+          <a:lnRef idx="1">
+            <a:schemeClr val="accent1"/>
+          </a:lnRef>
+          <a:fillRef idx="0">
+            <a:schemeClr val="accent1"/>
+          </a:fillRef>
+          <a:effectRef idx="0">
+            <a:schemeClr val="accent1"/>
+          </a:effectRef>
+          <a:fontRef idx="minor">
+            <a:schemeClr val="tx1"/>
+          </a:fontRef>
+        </p:style>
+      </p:cxnSp>
+      <p:sp>
+        <p:nvSpPr>
+          <p:cNvPr id="4" name="TextBox 3">
+            <a:extLst>
+              <a:ext uri="{FF2B5EF4-FFF2-40B4-BE49-F238E27FC236}">
+                <a16:creationId xmlns:a16="http://schemas.microsoft.com/office/drawing/2014/main" id="{B8326A7D-F71C-ED1C-CBFD-93F557654D2A}"/>
+              </a:ext>
+            </a:extLst>
+          </p:cNvPr>
+          <p:cNvSpPr txBox="1"/>
+          <p:nvPr/>
+        </p:nvSpPr>
+        <p:spPr>
+          <a:xfrm>
+            <a:off x="144378" y="272716"/>
+            <a:ext cx="752129" cy="338554"/>
+          </a:xfrm>
+          <a:prstGeom prst="rect">
+            <a:avLst/>
+          </a:prstGeom>
+          <a:noFill/>
+        </p:spPr>
+        <p:txBody>
+          <a:bodyPr wrap="none" rtlCol="0">
+            <a:spAutoFit/>
+          </a:bodyPr>
+          <a:lstStyle/>
+          <a:p>
+            <a:r>
+              <a:rPr lang="en-US" altLang="ko-KR" sz="1600" dirty="0">
+                <a:solidFill>
+                  <a:schemeClr val="accent1"/>
+                </a:solidFill>
+              </a:rPr>
+              <a:t>Part </a:t>
+            </a:r>
+            <a:r>
+              <a:rPr lang="en-US" altLang="ko-KR" sz="1600" dirty="0" smtClean="0">
+                <a:solidFill>
+                  <a:schemeClr val="accent1"/>
+                </a:solidFill>
+              </a:rPr>
+              <a:t>1</a:t>
+            </a:r>
+            <a:endParaRPr lang="ko-KR" altLang="en-US" sz="1600" dirty="0">
+              <a:solidFill>
+                <a:schemeClr val="accent1"/>
+              </a:solidFill>
+            </a:endParaRPr>
+          </a:p>
+        </p:txBody>
+      </p:sp>
+      <p:sp>
+        <p:nvSpPr>
+          <p:cNvPr id="5" name="TextBox 4">
+            <a:extLst>
+              <a:ext uri="{FF2B5EF4-FFF2-40B4-BE49-F238E27FC236}">
+                <a16:creationId xmlns:a16="http://schemas.microsoft.com/office/drawing/2014/main" id="{3251639B-29EB-6E9D-733B-6F917838F571}"/>
+              </a:ext>
+            </a:extLst>
+          </p:cNvPr>
+          <p:cNvSpPr txBox="1"/>
+          <p:nvPr/>
+        </p:nvSpPr>
+        <p:spPr>
+          <a:xfrm>
+            <a:off x="1163052" y="272716"/>
+            <a:ext cx="2196435" cy="523220"/>
+          </a:xfrm>
+          <a:prstGeom prst="rect">
+            <a:avLst/>
+          </a:prstGeom>
+          <a:noFill/>
+        </p:spPr>
+        <p:txBody>
+          <a:bodyPr wrap="none" rtlCol="0">
+            <a:spAutoFit/>
+          </a:bodyPr>
+          <a:lstStyle/>
+          <a:p>
+            <a:r>
+              <a:rPr lang="ko-KR" altLang="en-US" sz="2800" b="1" spc="-300" dirty="0" smtClean="0">
+                <a:solidFill>
+                  <a:schemeClr val="accent1"/>
+                </a:solidFill>
+                <a:latin typeface="+mj-ea"/>
+                <a:ea typeface="+mj-ea"/>
+              </a:rPr>
+              <a:t>프로젝트 목적</a:t>
+            </a:r>
+            <a:endParaRPr lang="ko-KR" altLang="en-US" sz="2800" b="1" spc="-300" dirty="0">
+              <a:solidFill>
+                <a:schemeClr val="accent1"/>
+              </a:solidFill>
+              <a:latin typeface="+mj-ea"/>
+              <a:ea typeface="+mj-ea"/>
+            </a:endParaRPr>
+          </a:p>
+        </p:txBody>
+      </p:sp>
+      <p:cxnSp>
+        <p:nvCxnSpPr>
+          <p:cNvPr id="6" name="직선 연결선 5">
+            <a:extLst>
+              <a:ext uri="{FF2B5EF4-FFF2-40B4-BE49-F238E27FC236}">
+                <a16:creationId xmlns:a16="http://schemas.microsoft.com/office/drawing/2014/main" id="{227D3D02-66A7-B0C0-2CF2-A0900C18861C}"/>
+              </a:ext>
+            </a:extLst>
+          </p:cNvPr>
+          <p:cNvCxnSpPr/>
+          <p:nvPr/>
+        </p:nvCxnSpPr>
+        <p:spPr>
+          <a:xfrm>
+            <a:off x="144378" y="6737685"/>
+            <a:ext cx="12060000" cy="0"/>
+          </a:xfrm>
+          <a:prstGeom prst="line">
+            <a:avLst/>
+          </a:prstGeom>
+          <a:ln w="3175">
+            <a:solidFill>
+              <a:schemeClr val="accent1"/>
+            </a:solidFill>
+          </a:ln>
+        </p:spPr>
+        <p:style>
+          <a:lnRef idx="1">
+            <a:schemeClr val="accent1"/>
+          </a:lnRef>
+          <a:fillRef idx="0">
+            <a:schemeClr val="accent1"/>
+          </a:fillRef>
+          <a:effectRef idx="0">
+            <a:schemeClr val="accent1"/>
+          </a:effectRef>
+          <a:fontRef idx="minor">
+            <a:schemeClr val="tx1"/>
+          </a:fontRef>
+        </p:style>
+      </p:cxnSp>
+      <p:sp>
+        <p:nvSpPr>
+          <p:cNvPr id="9" name="TextBox 8"/>
+          <p:cNvSpPr txBox="1"/>
+          <p:nvPr/>
+        </p:nvSpPr>
+        <p:spPr>
+          <a:xfrm>
+            <a:off x="896508" y="2323059"/>
+            <a:ext cx="9466692" cy="369332"/>
+          </a:xfrm>
+          <a:prstGeom prst="rect">
+            <a:avLst/>
+          </a:prstGeom>
+          <a:noFill/>
+        </p:spPr>
+        <p:txBody>
+          <a:bodyPr wrap="square" rtlCol="0">
+            <a:spAutoFit/>
+          </a:bodyPr>
+          <a:lstStyle/>
+          <a:p>
+            <a:r>
+              <a:rPr lang="ko-KR" altLang="en-US" b="1" dirty="0" smtClean="0">
+                <a:latin typeface="+mj-ea"/>
+                <a:ea typeface="+mj-ea"/>
+              </a:rPr>
+              <a:t>● 특정 게임에 대해 유사한 댓글을 찾아냄으로 비슷한 취향의 게임을 찾아 보는 것을 목표</a:t>
+            </a:r>
+            <a:endParaRPr lang="ko-KR" altLang="en-US" b="1" dirty="0">
+              <a:latin typeface="+mj-ea"/>
+              <a:ea typeface="+mj-ea"/>
+            </a:endParaRPr>
+          </a:p>
+        </p:txBody>
+      </p:sp>
+      <p:sp>
+        <p:nvSpPr>
+          <p:cNvPr id="11" name="TextBox 10"/>
+          <p:cNvSpPr txBox="1"/>
+          <p:nvPr/>
+        </p:nvSpPr>
+        <p:spPr>
+          <a:xfrm>
+            <a:off x="896508" y="3079722"/>
+            <a:ext cx="9936592" cy="369332"/>
+          </a:xfrm>
+          <a:prstGeom prst="rect">
+            <a:avLst/>
+          </a:prstGeom>
+          <a:noFill/>
+        </p:spPr>
+        <p:txBody>
+          <a:bodyPr wrap="square" rtlCol="0">
+            <a:spAutoFit/>
+          </a:bodyPr>
+          <a:lstStyle/>
+          <a:p>
+            <a:r>
+              <a:rPr lang="ko-KR" altLang="en-US" b="1" dirty="0" smtClean="0">
+                <a:latin typeface="+mj-ea"/>
+                <a:ea typeface="+mj-ea"/>
+              </a:rPr>
+              <a:t>● 특정 </a:t>
+            </a:r>
+            <a:r>
+              <a:rPr lang="ko-KR" altLang="en-US" b="1" dirty="0" smtClean="0">
+                <a:latin typeface="+mj-ea"/>
+                <a:ea typeface="+mj-ea"/>
+              </a:rPr>
+              <a:t>키워드를 </a:t>
+            </a:r>
+            <a:r>
+              <a:rPr lang="ko-KR" altLang="en-US" b="1" dirty="0" smtClean="0">
+                <a:latin typeface="+mj-ea"/>
+                <a:ea typeface="+mj-ea"/>
+              </a:rPr>
+              <a:t>이용하여 키워드와 관련된 게임을 찾아 보는 것을 목표</a:t>
+            </a:r>
+            <a:endParaRPr lang="ko-KR" altLang="en-US" b="1" dirty="0">
+              <a:latin typeface="+mj-ea"/>
+              <a:ea typeface="+mj-ea"/>
+            </a:endParaRPr>
+          </a:p>
+        </p:txBody>
+      </p:sp>
+    </p:spTree>
+    <p:extLst>
+      <p:ext uri="{BB962C8B-B14F-4D97-AF65-F5344CB8AC3E}">
+        <p14:creationId xmlns:p14="http://schemas.microsoft.com/office/powerpoint/2010/main" val="2204672902"/>
+      </p:ext>
+    </p:extLst>
+  </p:cSld>
+  <p:clrMapOvr>
+    <a:masterClrMapping/>
+  </p:clrMapOvr>
+  <p:timing>
+    <p:tnLst>
+      <p:par>
+        <p:cTn id="1" dur="indefinite" restart="never" nodeType="tmRoot"/>
+      </p:par>
+    </p:tnLst>
+  </p:timing>
+</p:sld>
+</file>
+
+<file path=ppt/slides/slide5.xml><?xml version="1.0" encoding="utf-8"?>
+<p:sld xmlns:a="http://schemas.openxmlformats.org/drawingml/2006/main" xmlns:r="http://schemas.openxmlformats.org/officeDocument/2006/relationships" xmlns:p="http://schemas.openxmlformats.org/presentationml/2006/main">
+  <p:cSld>
     <p:bg>
       <p:bgPr>
         <a:solidFill>
@@ -5342,7 +6124,7 @@
           <p:spPr>
             <a:xfrm>
               <a:off x="6817895" y="310803"/>
-              <a:ext cx="1430200" cy="3154710"/>
+              <a:ext cx="1664238" cy="3154710"/>
             </a:xfrm>
             <a:prstGeom prst="rect">
               <a:avLst/>
@@ -5373,21 +6155,14 @@
                 <a:defRPr/>
               </a:pPr>
               <a:r>
-                <a:rPr kumimoji="0" lang="en-US" altLang="ko-KR" sz="19900" b="1" i="0" u="none" strike="noStrike" kern="1200" cap="none" spc="0" normalizeH="0" baseline="0" noProof="0" dirty="0">
-                  <a:ln>
-                    <a:noFill/>
-                  </a:ln>
+                <a:rPr lang="en-US" altLang="ko-KR" sz="19900" b="1" dirty="0">
                   <a:solidFill>
                     <a:prstClr val="white"/>
                   </a:solidFill>
-                  <a:effectLst/>
-                  <a:uLnTx/>
-                  <a:uFillTx/>
                   <a:latin typeface="Pretendard Black"/>
                   <a:ea typeface="+mj-ea"/>
-                  <a:cs typeface="+mn-cs"/>
                 </a:rPr>
-                <a:t>1</a:t>
+                <a:t>2</a:t>
               </a:r>
               <a:endParaRPr kumimoji="0" lang="ko-KR" altLang="en-US" sz="19900" b="1" i="0" u="none" strike="noStrike" kern="1200" cap="none" spc="0" normalizeH="0" baseline="0" noProof="0" dirty="0">
                 <a:ln>
@@ -5590,7 +6365,7 @@
 </p:sld>
 </file>
 
-<file path=ppt/slides/slide5.xml><?xml version="1.0" encoding="utf-8"?>
+<file path=ppt/slides/slide6.xml><?xml version="1.0" encoding="utf-8"?>
 <p:sld xmlns:a="http://schemas.openxmlformats.org/drawingml/2006/main" xmlns:r="http://schemas.openxmlformats.org/officeDocument/2006/relationships" xmlns:p="http://schemas.openxmlformats.org/presentationml/2006/main">
   <p:cSld>
     <p:spTree>
@@ -5663,7 +6438,7 @@
         <p:spPr>
           <a:xfrm>
             <a:off x="144378" y="272716"/>
-            <a:ext cx="702436" cy="338554"/>
+            <a:ext cx="752129" cy="338554"/>
           </a:xfrm>
           <a:prstGeom prst="rect">
             <a:avLst/>
@@ -5682,7 +6457,15 @@
                   <a:schemeClr val="accent1"/>
                 </a:solidFill>
               </a:rPr>
-              <a:t>Part 1</a:t>
+              <a:t>Part </a:t>
+            </a:r>
+            <a:r>
+              <a:rPr lang="en-US" altLang="ko-KR" sz="1600" dirty="0" smtClean="0">
+                <a:solidFill>
+                  <a:schemeClr val="accent1"/>
+                </a:solidFill>
+              </a:rPr>
+              <a:t>2</a:t>
             </a:r>
             <a:endParaRPr lang="ko-KR" altLang="en-US" sz="1600" dirty="0">
               <a:solidFill>
@@ -6211,7 +6994,7 @@
 </p:sld>
 </file>
 
-<file path=ppt/slides/slide6.xml><?xml version="1.0" encoding="utf-8"?>
+<file path=ppt/slides/slide7.xml><?xml version="1.0" encoding="utf-8"?>
 <p:sld xmlns:a="http://schemas.openxmlformats.org/drawingml/2006/main" xmlns:r="http://schemas.openxmlformats.org/officeDocument/2006/relationships" xmlns:p="http://schemas.openxmlformats.org/presentationml/2006/main">
   <p:cSld>
     <p:spTree>
@@ -6284,7 +7067,7 @@
         <p:spPr>
           <a:xfrm>
             <a:off x="144378" y="272716"/>
-            <a:ext cx="702436" cy="338554"/>
+            <a:ext cx="752129" cy="338554"/>
           </a:xfrm>
           <a:prstGeom prst="rect">
             <a:avLst/>
@@ -6303,7 +7086,15 @@
                   <a:schemeClr val="accent1"/>
                 </a:solidFill>
               </a:rPr>
-              <a:t>Part 1</a:t>
+              <a:t>Part </a:t>
+            </a:r>
+            <a:r>
+              <a:rPr lang="en-US" altLang="ko-KR" sz="1600" dirty="0" smtClean="0">
+                <a:solidFill>
+                  <a:schemeClr val="accent1"/>
+                </a:solidFill>
+              </a:rPr>
+              <a:t>2</a:t>
             </a:r>
             <a:endParaRPr lang="ko-KR" altLang="en-US" sz="1600" dirty="0">
               <a:solidFill>
@@ -6601,7 +7392,7 @@
 </p:sld>
 </file>
 
-<file path=ppt/slides/slide7.xml><?xml version="1.0" encoding="utf-8"?>
+<file path=ppt/slides/slide8.xml><?xml version="1.0" encoding="utf-8"?>
 <p:sld xmlns:a="http://schemas.openxmlformats.org/drawingml/2006/main" xmlns:r="http://schemas.openxmlformats.org/officeDocument/2006/relationships" xmlns:p="http://schemas.openxmlformats.org/presentationml/2006/main">
   <p:cSld>
     <p:spTree>
@@ -6674,7 +7465,7 @@
         <p:spPr>
           <a:xfrm>
             <a:off x="144378" y="272716"/>
-            <a:ext cx="702436" cy="338554"/>
+            <a:ext cx="752129" cy="338554"/>
           </a:xfrm>
           <a:prstGeom prst="rect">
             <a:avLst/>
@@ -6693,7 +7484,15 @@
                   <a:schemeClr val="accent1"/>
                 </a:solidFill>
               </a:rPr>
-              <a:t>Part 1</a:t>
+              <a:t>Part </a:t>
+            </a:r>
+            <a:r>
+              <a:rPr lang="en-US" altLang="ko-KR" sz="1600" dirty="0" smtClean="0">
+                <a:solidFill>
+                  <a:schemeClr val="accent1"/>
+                </a:solidFill>
+              </a:rPr>
+              <a:t>2</a:t>
             </a:r>
             <a:endParaRPr lang="ko-KR" altLang="en-US" sz="1600" dirty="0">
               <a:solidFill>
@@ -7055,7 +7854,7 @@
 </p:sld>
 </file>
 
-<file path=ppt/slides/slide8.xml><?xml version="1.0" encoding="utf-8"?>
+<file path=ppt/slides/slide9.xml><?xml version="1.0" encoding="utf-8"?>
 <p:sld xmlns:a="http://schemas.openxmlformats.org/drawingml/2006/main" xmlns:r="http://schemas.openxmlformats.org/officeDocument/2006/relationships" xmlns:p="http://schemas.openxmlformats.org/presentationml/2006/main">
   <p:cSld>
     <p:spTree>
@@ -7087,8 +7886,8 @@
         </p:blipFill>
         <p:spPr>
           <a:xfrm>
-            <a:off x="592386" y="1150198"/>
-            <a:ext cx="9917447" cy="3651811"/>
+            <a:off x="594997" y="1150198"/>
+            <a:ext cx="11158762" cy="3651811"/>
           </a:xfrm>
           <a:prstGeom prst="rect">
             <a:avLst/>
@@ -7151,7 +7950,7 @@
         <p:spPr>
           <a:xfrm>
             <a:off x="144378" y="272716"/>
-            <a:ext cx="702436" cy="338554"/>
+            <a:ext cx="752129" cy="338554"/>
           </a:xfrm>
           <a:prstGeom prst="rect">
             <a:avLst/>
@@ -7170,7 +7969,15 @@
                   <a:schemeClr val="accent1"/>
                 </a:solidFill>
               </a:rPr>
-              <a:t>Part 1</a:t>
+              <a:t>Part </a:t>
+            </a:r>
+            <a:r>
+              <a:rPr lang="en-US" altLang="ko-KR" sz="1600" dirty="0" smtClean="0">
+                <a:solidFill>
+                  <a:schemeClr val="accent1"/>
+                </a:solidFill>
+              </a:rPr>
+              <a:t>2</a:t>
             </a:r>
             <a:endParaRPr lang="ko-KR" altLang="en-US" sz="1600" dirty="0">
               <a:solidFill>
@@ -7453,252 +8260,6 @@
     <p:bldLst>
       <p:bldP spid="8" grpId="0" animBg="1"/>
     </p:bldLst>
-  </p:timing>
-</p:sld>
-</file>
-
-<file path=ppt/slides/slide9.xml><?xml version="1.0" encoding="utf-8"?>
-<p:sld xmlns:a="http://schemas.openxmlformats.org/drawingml/2006/main" xmlns:r="http://schemas.openxmlformats.org/officeDocument/2006/relationships" xmlns:p="http://schemas.openxmlformats.org/presentationml/2006/main">
-  <p:cSld>
-    <p:bg>
-      <p:bgPr>
-        <a:solidFill>
-          <a:schemeClr val="accent1"/>
-        </a:solidFill>
-        <a:effectLst/>
-      </p:bgPr>
-    </p:bg>
-    <p:spTree>
-      <p:nvGrpSpPr>
-        <p:cNvPr id="1" name=""/>
-        <p:cNvGrpSpPr/>
-        <p:nvPr/>
-      </p:nvGrpSpPr>
-      <p:grpSpPr>
-        <a:xfrm>
-          <a:off x="0" y="0"/>
-          <a:ext cx="0" cy="0"/>
-          <a:chOff x="0" y="0"/>
-          <a:chExt cx="0" cy="0"/>
-        </a:xfrm>
-      </p:grpSpPr>
-      <p:grpSp>
-        <p:nvGrpSpPr>
-          <p:cNvPr id="7" name="그룹 6">
-            <a:extLst>
-              <a:ext uri="{FF2B5EF4-FFF2-40B4-BE49-F238E27FC236}">
-                <a16:creationId xmlns:a16="http://schemas.microsoft.com/office/drawing/2014/main" id="{ADC16E78-8819-8219-C770-75C3BD1E4D45}"/>
-              </a:ext>
-            </a:extLst>
-          </p:cNvPr>
-          <p:cNvGrpSpPr/>
-          <p:nvPr/>
-        </p:nvGrpSpPr>
-        <p:grpSpPr>
-          <a:xfrm>
-            <a:off x="6817895" y="872277"/>
-            <a:ext cx="5374105" cy="4483771"/>
-            <a:chOff x="6817895" y="310803"/>
-            <a:chExt cx="5374105" cy="4483771"/>
-          </a:xfrm>
-        </p:grpSpPr>
-        <p:sp>
-          <p:nvSpPr>
-            <p:cNvPr id="2" name="TextBox 1">
-              <a:extLst>
-                <a:ext uri="{FF2B5EF4-FFF2-40B4-BE49-F238E27FC236}">
-                  <a16:creationId xmlns:a16="http://schemas.microsoft.com/office/drawing/2014/main" id="{1E4D379F-0D7A-E10A-C2FD-B3F877B38412}"/>
-                </a:ext>
-              </a:extLst>
-            </p:cNvPr>
-            <p:cNvSpPr txBox="1"/>
-            <p:nvPr/>
-          </p:nvSpPr>
-          <p:spPr>
-            <a:xfrm>
-              <a:off x="6817895" y="310803"/>
-              <a:ext cx="1782860" cy="3154710"/>
-            </a:xfrm>
-            <a:prstGeom prst="rect">
-              <a:avLst/>
-            </a:prstGeom>
-            <a:noFill/>
-          </p:spPr>
-          <p:txBody>
-            <a:bodyPr wrap="none" rtlCol="0">
-              <a:spAutoFit/>
-            </a:bodyPr>
-            <a:lstStyle/>
-            <a:p>
-              <a:r>
-                <a:rPr lang="en-US" altLang="ko-KR" sz="19900" b="1" dirty="0">
-                  <a:solidFill>
-                    <a:schemeClr val="bg1"/>
-                  </a:solidFill>
-                  <a:latin typeface="+mj-ea"/>
-                  <a:ea typeface="+mj-ea"/>
-                </a:rPr>
-                <a:t>2</a:t>
-              </a:r>
-              <a:endParaRPr lang="ko-KR" altLang="en-US" sz="19900" b="1" dirty="0">
-                <a:solidFill>
-                  <a:schemeClr val="bg1"/>
-                </a:solidFill>
-                <a:latin typeface="+mj-ea"/>
-                <a:ea typeface="+mj-ea"/>
-              </a:endParaRPr>
-            </a:p>
-          </p:txBody>
-        </p:sp>
-        <p:sp>
-          <p:nvSpPr>
-            <p:cNvPr id="3" name="TextBox 2">
-              <a:extLst>
-                <a:ext uri="{FF2B5EF4-FFF2-40B4-BE49-F238E27FC236}">
-                  <a16:creationId xmlns:a16="http://schemas.microsoft.com/office/drawing/2014/main" id="{773F2969-8E1F-0403-B6B6-037C4B0D5DB2}"/>
-                </a:ext>
-              </a:extLst>
-            </p:cNvPr>
-            <p:cNvSpPr txBox="1"/>
-            <p:nvPr/>
-          </p:nvSpPr>
-          <p:spPr>
-            <a:xfrm>
-              <a:off x="6817895" y="3350782"/>
-              <a:ext cx="3124573" cy="830997"/>
-            </a:xfrm>
-            <a:prstGeom prst="rect">
-              <a:avLst/>
-            </a:prstGeom>
-            <a:noFill/>
-          </p:spPr>
-          <p:txBody>
-            <a:bodyPr wrap="none" rtlCol="0">
-              <a:spAutoFit/>
-            </a:bodyPr>
-            <a:lstStyle/>
-            <a:p>
-              <a:r>
-                <a:rPr lang="en-US" altLang="ko-KR" sz="4800" b="1" spc="-300" dirty="0" smtClean="0">
-                  <a:solidFill>
-                    <a:schemeClr val="bg1"/>
-                  </a:solidFill>
-                  <a:latin typeface="+mn-ea"/>
-                </a:rPr>
-                <a:t>Word Cloud</a:t>
-              </a:r>
-              <a:endParaRPr lang="ko-KR" altLang="en-US" sz="4800" b="1" spc="-300" dirty="0">
-                <a:solidFill>
-                  <a:schemeClr val="bg1"/>
-                </a:solidFill>
-                <a:latin typeface="+mn-ea"/>
-              </a:endParaRPr>
-            </a:p>
-          </p:txBody>
-        </p:sp>
-        <p:cxnSp>
-          <p:nvCxnSpPr>
-            <p:cNvPr id="4" name="직선 연결선 3">
-              <a:extLst>
-                <a:ext uri="{FF2B5EF4-FFF2-40B4-BE49-F238E27FC236}">
-                  <a16:creationId xmlns:a16="http://schemas.microsoft.com/office/drawing/2014/main" id="{F9894119-F233-DC33-68F5-7374CF0E569E}"/>
-                </a:ext>
-              </a:extLst>
-            </p:cNvPr>
-            <p:cNvCxnSpPr>
-              <a:cxnSpLocks/>
-            </p:cNvCxnSpPr>
-            <p:nvPr/>
-          </p:nvCxnSpPr>
-          <p:spPr>
-            <a:xfrm>
-              <a:off x="6817895" y="4545921"/>
-              <a:ext cx="5374105" cy="0"/>
-            </a:xfrm>
-            <a:prstGeom prst="line">
-              <a:avLst/>
-            </a:prstGeom>
-            <a:ln w="76200">
-              <a:solidFill>
-                <a:schemeClr val="bg1"/>
-              </a:solidFill>
-            </a:ln>
-          </p:spPr>
-          <p:style>
-            <a:lnRef idx="1">
-              <a:schemeClr val="accent1"/>
-            </a:lnRef>
-            <a:fillRef idx="0">
-              <a:schemeClr val="accent1"/>
-            </a:fillRef>
-            <a:effectRef idx="0">
-              <a:schemeClr val="accent1"/>
-            </a:effectRef>
-            <a:fontRef idx="minor">
-              <a:schemeClr val="tx1"/>
-            </a:fontRef>
-          </p:style>
-        </p:cxnSp>
-        <p:cxnSp>
-          <p:nvCxnSpPr>
-            <p:cNvPr id="6" name="직선 연결선 5">
-              <a:extLst>
-                <a:ext uri="{FF2B5EF4-FFF2-40B4-BE49-F238E27FC236}">
-                  <a16:creationId xmlns:a16="http://schemas.microsoft.com/office/drawing/2014/main" id="{01021128-BA25-D6FF-656C-87D086ADE451}"/>
-                </a:ext>
-              </a:extLst>
-            </p:cNvPr>
-            <p:cNvCxnSpPr>
-              <a:cxnSpLocks/>
-            </p:cNvCxnSpPr>
-            <p:nvPr/>
-          </p:nvCxnSpPr>
-          <p:spPr>
-            <a:xfrm>
-              <a:off x="6817895" y="4794574"/>
-              <a:ext cx="5374105" cy="0"/>
-            </a:xfrm>
-            <a:prstGeom prst="line">
-              <a:avLst/>
-            </a:prstGeom>
-            <a:ln w="3175">
-              <a:solidFill>
-                <a:schemeClr val="bg1"/>
-              </a:solidFill>
-            </a:ln>
-          </p:spPr>
-          <p:style>
-            <a:lnRef idx="1">
-              <a:schemeClr val="accent1"/>
-            </a:lnRef>
-            <a:fillRef idx="0">
-              <a:schemeClr val="accent1"/>
-            </a:fillRef>
-            <a:effectRef idx="0">
-              <a:schemeClr val="accent1"/>
-            </a:effectRef>
-            <a:fontRef idx="minor">
-              <a:schemeClr val="tx1"/>
-            </a:fontRef>
-          </p:style>
-        </p:cxnSp>
-      </p:grpSp>
-    </p:spTree>
-    <p:extLst>
-      <p:ext uri="{BB962C8B-B14F-4D97-AF65-F5344CB8AC3E}">
-        <p14:creationId xmlns:p14="http://schemas.microsoft.com/office/powerpoint/2010/main" val="484164959"/>
-      </p:ext>
-    </p:extLst>
-  </p:cSld>
-  <p:clrMapOvr>
-    <a:masterClrMapping/>
-  </p:clrMapOvr>
-  <p:timing>
-    <p:tnLst>
-      <p:par>
-        <p:cTn id="1" dur="indefinite" restart="never" nodeType="tmRoot"/>
-      </p:par>
-    </p:tnLst>
   </p:timing>
 </p:sld>
 </file>
